--- a/PPT/Mittudomain-11B-Webprojekt.pptx
+++ b/PPT/Mittudomain-11B-Webprojekt.pptx
@@ -5,25 +5,26 @@
     <p:sldMasterId id="2147483673" r:id="rId1"/>
   </p:sldMasterIdLst>
   <p:notesMasterIdLst>
-    <p:notesMasterId r:id="rId8"/>
+    <p:notesMasterId r:id="rId9"/>
   </p:notesMasterIdLst>
   <p:sldIdLst>
     <p:sldId id="256" r:id="rId2"/>
     <p:sldId id="261" r:id="rId3"/>
-    <p:sldId id="306" r:id="rId4"/>
-    <p:sldId id="307" r:id="rId5"/>
+    <p:sldId id="310" r:id="rId4"/>
+    <p:sldId id="306" r:id="rId5"/>
     <p:sldId id="308" r:id="rId6"/>
-    <p:sldId id="309" r:id="rId7"/>
+    <p:sldId id="307" r:id="rId7"/>
+    <p:sldId id="309" r:id="rId8"/>
   </p:sldIdLst>
   <p:sldSz cx="9144000" cy="5143500" type="screen16x9"/>
   <p:notesSz cx="6858000" cy="9144000"/>
   <p:embeddedFontLst>
     <p:embeddedFont>
-      <p:font typeface="Montserrat" panose="00000500000000000000" pitchFamily="2" charset="-18"/>
-      <p:regular r:id="rId9"/>
-      <p:bold r:id="rId10"/>
-      <p:italic r:id="rId11"/>
-      <p:boldItalic r:id="rId12"/>
+      <p:font typeface="Montserrat" panose="020B0604020202020204" charset="-18"/>
+      <p:regular r:id="rId10"/>
+      <p:bold r:id="rId11"/>
+      <p:italic r:id="rId12"/>
+      <p:boldItalic r:id="rId13"/>
     </p:embeddedFont>
   </p:embeddedFontLst>
   <p:defaultTextStyle>
@@ -1047,6 +1048,133 @@
         <p:cNvPr id="1" name="Shape 250">
           <a:extLst>
             <a:ext uri="{FF2B5EF4-FFF2-40B4-BE49-F238E27FC236}">
+              <a16:creationId xmlns:a16="http://schemas.microsoft.com/office/drawing/2014/main" id="{1DE2BD95-03C4-AB3E-E97A-9CBE1AEE77A5}"/>
+            </a:ext>
+          </a:extLst>
+        </p:cNvPr>
+        <p:cNvGrpSpPr/>
+        <p:nvPr/>
+      </p:nvGrpSpPr>
+      <p:grpSpPr>
+        <a:xfrm>
+          <a:off x="0" y="0"/>
+          <a:ext cx="0" cy="0"/>
+          <a:chOff x="0" y="0"/>
+          <a:chExt cx="0" cy="0"/>
+        </a:xfrm>
+      </p:grpSpPr>
+      <p:sp>
+        <p:nvSpPr>
+          <p:cNvPr id="251" name="Google Shape;251;g623c2e0530_1_196:notes">
+            <a:extLst>
+              <a:ext uri="{FF2B5EF4-FFF2-40B4-BE49-F238E27FC236}">
+                <a16:creationId xmlns:a16="http://schemas.microsoft.com/office/drawing/2014/main" id="{DFB911BB-3C1C-08CE-BFC2-67211AFCC272}"/>
+              </a:ext>
+            </a:extLst>
+          </p:cNvPr>
+          <p:cNvSpPr>
+            <a:spLocks noGrp="1" noRot="1" noChangeAspect="1"/>
+          </p:cNvSpPr>
+          <p:nvPr>
+            <p:ph type="sldImg" idx="2"/>
+          </p:nvPr>
+        </p:nvSpPr>
+        <p:spPr>
+          <a:xfrm>
+            <a:off x="381000" y="685800"/>
+            <a:ext cx="6096000" cy="3429000"/>
+          </a:xfrm>
+          <a:custGeom>
+            <a:avLst/>
+            <a:gdLst/>
+            <a:ahLst/>
+            <a:cxnLst/>
+            <a:rect l="l" t="t" r="r" b="b"/>
+            <a:pathLst>
+              <a:path w="120000" h="120000" extrusionOk="0">
+                <a:moveTo>
+                  <a:pt x="0" y="0"/>
+                </a:moveTo>
+                <a:lnTo>
+                  <a:pt x="120000" y="0"/>
+                </a:lnTo>
+                <a:lnTo>
+                  <a:pt x="120000" y="120000"/>
+                </a:lnTo>
+                <a:lnTo>
+                  <a:pt x="0" y="120000"/>
+                </a:lnTo>
+                <a:close/>
+              </a:path>
+            </a:pathLst>
+          </a:custGeom>
+        </p:spPr>
+      </p:sp>
+      <p:sp>
+        <p:nvSpPr>
+          <p:cNvPr id="252" name="Google Shape;252;g623c2e0530_1_196:notes">
+            <a:extLst>
+              <a:ext uri="{FF2B5EF4-FFF2-40B4-BE49-F238E27FC236}">
+                <a16:creationId xmlns:a16="http://schemas.microsoft.com/office/drawing/2014/main" id="{D28B6D27-3532-720D-3241-9F7161313D68}"/>
+              </a:ext>
+            </a:extLst>
+          </p:cNvPr>
+          <p:cNvSpPr txBox="1">
+            <a:spLocks noGrp="1"/>
+          </p:cNvSpPr>
+          <p:nvPr>
+            <p:ph type="body" idx="1"/>
+          </p:nvPr>
+        </p:nvSpPr>
+        <p:spPr>
+          <a:xfrm>
+            <a:off x="685800" y="4343400"/>
+            <a:ext cx="5486400" cy="4114800"/>
+          </a:xfrm>
+          <a:prstGeom prst="rect">
+            <a:avLst/>
+          </a:prstGeom>
+        </p:spPr>
+        <p:txBody>
+          <a:bodyPr spcFirstLastPara="1" wrap="square" lIns="91425" tIns="91425" rIns="91425" bIns="91425" anchor="t" anchorCtr="0">
+            <a:noAutofit/>
+          </a:bodyPr>
+          <a:lstStyle/>
+          <a:p>
+            <a:pPr marL="0" lvl="0" indent="0" algn="l" rtl="0">
+              <a:spcBef>
+                <a:spcPts val="0"/>
+              </a:spcBef>
+              <a:spcAft>
+                <a:spcPts val="0"/>
+              </a:spcAft>
+              <a:buNone/>
+            </a:pPr>
+            <a:endParaRPr/>
+          </a:p>
+        </p:txBody>
+      </p:sp>
+    </p:spTree>
+    <p:extLst>
+      <p:ext uri="{BB962C8B-B14F-4D97-AF65-F5344CB8AC3E}">
+        <p14:creationId xmlns:p14="http://schemas.microsoft.com/office/powerpoint/2010/main" val="528783028"/>
+      </p:ext>
+    </p:extLst>
+  </p:cSld>
+  <p:clrMapOvr>
+    <a:masterClrMapping/>
+  </p:clrMapOvr>
+</p:notes>
+</file>
+
+<file path=ppt/notesSlides/notesSlide5.xml><?xml version="1.0" encoding="utf-8"?>
+<p:notes xmlns:a="http://schemas.openxmlformats.org/drawingml/2006/main" xmlns:r="http://schemas.openxmlformats.org/officeDocument/2006/relationships" xmlns:p="http://schemas.openxmlformats.org/presentationml/2006/main" showMasterSp="0" showMasterPhAnim="0">
+  <p:cSld>
+    <p:spTree>
+      <p:nvGrpSpPr>
+        <p:cNvPr id="1" name="Shape 250">
+          <a:extLst>
+            <a:ext uri="{FF2B5EF4-FFF2-40B4-BE49-F238E27FC236}">
               <a16:creationId xmlns:a16="http://schemas.microsoft.com/office/drawing/2014/main" id="{BEDC4CC8-1EF1-48C7-8D8E-FF0BDDDE84A5}"/>
             </a:ext>
           </a:extLst>
@@ -1157,133 +1285,6 @@
     <p:extLst>
       <p:ext uri="{BB962C8B-B14F-4D97-AF65-F5344CB8AC3E}">
         <p14:creationId xmlns:p14="http://schemas.microsoft.com/office/powerpoint/2010/main" val="1210111320"/>
-      </p:ext>
-    </p:extLst>
-  </p:cSld>
-  <p:clrMapOvr>
-    <a:masterClrMapping/>
-  </p:clrMapOvr>
-</p:notes>
-</file>
-
-<file path=ppt/notesSlides/notesSlide5.xml><?xml version="1.0" encoding="utf-8"?>
-<p:notes xmlns:a="http://schemas.openxmlformats.org/drawingml/2006/main" xmlns:r="http://schemas.openxmlformats.org/officeDocument/2006/relationships" xmlns:p="http://schemas.openxmlformats.org/presentationml/2006/main" showMasterSp="0" showMasterPhAnim="0">
-  <p:cSld>
-    <p:spTree>
-      <p:nvGrpSpPr>
-        <p:cNvPr id="1" name="Shape 250">
-          <a:extLst>
-            <a:ext uri="{FF2B5EF4-FFF2-40B4-BE49-F238E27FC236}">
-              <a16:creationId xmlns:a16="http://schemas.microsoft.com/office/drawing/2014/main" id="{1DE2BD95-03C4-AB3E-E97A-9CBE1AEE77A5}"/>
-            </a:ext>
-          </a:extLst>
-        </p:cNvPr>
-        <p:cNvGrpSpPr/>
-        <p:nvPr/>
-      </p:nvGrpSpPr>
-      <p:grpSpPr>
-        <a:xfrm>
-          <a:off x="0" y="0"/>
-          <a:ext cx="0" cy="0"/>
-          <a:chOff x="0" y="0"/>
-          <a:chExt cx="0" cy="0"/>
-        </a:xfrm>
-      </p:grpSpPr>
-      <p:sp>
-        <p:nvSpPr>
-          <p:cNvPr id="251" name="Google Shape;251;g623c2e0530_1_196:notes">
-            <a:extLst>
-              <a:ext uri="{FF2B5EF4-FFF2-40B4-BE49-F238E27FC236}">
-                <a16:creationId xmlns:a16="http://schemas.microsoft.com/office/drawing/2014/main" id="{DFB911BB-3C1C-08CE-BFC2-67211AFCC272}"/>
-              </a:ext>
-            </a:extLst>
-          </p:cNvPr>
-          <p:cNvSpPr>
-            <a:spLocks noGrp="1" noRot="1" noChangeAspect="1"/>
-          </p:cNvSpPr>
-          <p:nvPr>
-            <p:ph type="sldImg" idx="2"/>
-          </p:nvPr>
-        </p:nvSpPr>
-        <p:spPr>
-          <a:xfrm>
-            <a:off x="381000" y="685800"/>
-            <a:ext cx="6096000" cy="3429000"/>
-          </a:xfrm>
-          <a:custGeom>
-            <a:avLst/>
-            <a:gdLst/>
-            <a:ahLst/>
-            <a:cxnLst/>
-            <a:rect l="l" t="t" r="r" b="b"/>
-            <a:pathLst>
-              <a:path w="120000" h="120000" extrusionOk="0">
-                <a:moveTo>
-                  <a:pt x="0" y="0"/>
-                </a:moveTo>
-                <a:lnTo>
-                  <a:pt x="120000" y="0"/>
-                </a:lnTo>
-                <a:lnTo>
-                  <a:pt x="120000" y="120000"/>
-                </a:lnTo>
-                <a:lnTo>
-                  <a:pt x="0" y="120000"/>
-                </a:lnTo>
-                <a:close/>
-              </a:path>
-            </a:pathLst>
-          </a:custGeom>
-        </p:spPr>
-      </p:sp>
-      <p:sp>
-        <p:nvSpPr>
-          <p:cNvPr id="252" name="Google Shape;252;g623c2e0530_1_196:notes">
-            <a:extLst>
-              <a:ext uri="{FF2B5EF4-FFF2-40B4-BE49-F238E27FC236}">
-                <a16:creationId xmlns:a16="http://schemas.microsoft.com/office/drawing/2014/main" id="{D28B6D27-3532-720D-3241-9F7161313D68}"/>
-              </a:ext>
-            </a:extLst>
-          </p:cNvPr>
-          <p:cNvSpPr txBox="1">
-            <a:spLocks noGrp="1"/>
-          </p:cNvSpPr>
-          <p:nvPr>
-            <p:ph type="body" idx="1"/>
-          </p:nvPr>
-        </p:nvSpPr>
-        <p:spPr>
-          <a:xfrm>
-            <a:off x="685800" y="4343400"/>
-            <a:ext cx="5486400" cy="4114800"/>
-          </a:xfrm>
-          <a:prstGeom prst="rect">
-            <a:avLst/>
-          </a:prstGeom>
-        </p:spPr>
-        <p:txBody>
-          <a:bodyPr spcFirstLastPara="1" wrap="square" lIns="91425" tIns="91425" rIns="91425" bIns="91425" anchor="t" anchorCtr="0">
-            <a:noAutofit/>
-          </a:bodyPr>
-          <a:lstStyle/>
-          <a:p>
-            <a:pPr marL="0" lvl="0" indent="0" algn="l" rtl="0">
-              <a:spcBef>
-                <a:spcPts val="0"/>
-              </a:spcBef>
-              <a:spcAft>
-                <a:spcPts val="0"/>
-              </a:spcAft>
-              <a:buNone/>
-            </a:pPr>
-            <a:endParaRPr/>
-          </a:p>
-        </p:txBody>
-      </p:sp>
-    </p:spTree>
-    <p:extLst>
-      <p:ext uri="{BB962C8B-B14F-4D97-AF65-F5344CB8AC3E}">
-        <p14:creationId xmlns:p14="http://schemas.microsoft.com/office/powerpoint/2010/main" val="528783028"/>
       </p:ext>
     </p:extLst>
   </p:cSld>
@@ -4485,7 +4486,7 @@
                   <a:srgbClr val="000000"/>
                 </a:solidFill>
                 <a:effectLst/>
-                <a:latin typeface="Aptos Display" panose="020B0004020202020204" pitchFamily="34" charset="0"/>
+                <a:latin typeface="Times New Roman" panose="02020603050405020304" pitchFamily="18" charset="0"/>
               </a:rPr>
               <a:t>Balaton-Felvidéki MBK </a:t>
             </a:r>
@@ -4495,7 +4496,7 @@
                   <a:srgbClr val="000000"/>
                 </a:solidFill>
                 <a:effectLst/>
-                <a:latin typeface="Aptos Display" panose="020B0004020202020204" pitchFamily="34" charset="0"/>
+                <a:latin typeface="Times New Roman" panose="02020603050405020304" pitchFamily="18" charset="0"/>
                 <a:sym typeface="Wingdings" panose="05000000000000000000" pitchFamily="2" charset="2"/>
               </a:rPr>
               <a:t> </a:t>
@@ -4505,7 +4506,7 @@
                 <a:solidFill>
                   <a:srgbClr val="000000"/>
                 </a:solidFill>
-                <a:latin typeface="Aptos Display" panose="020B0004020202020204" pitchFamily="34" charset="0"/>
+                <a:latin typeface="Times New Roman" panose="02020603050405020304" pitchFamily="18" charset="0"/>
                 <a:sym typeface="Wingdings" panose="05000000000000000000" pitchFamily="2" charset="2"/>
               </a:rPr>
               <a:t>w</a:t>
@@ -4516,7 +4517,7 @@
                   <a:srgbClr val="000000"/>
                 </a:solidFill>
                 <a:effectLst/>
-                <a:latin typeface="Aptos Display" panose="020B0004020202020204" pitchFamily="34" charset="0"/>
+                <a:latin typeface="Times New Roman" panose="02020603050405020304" pitchFamily="18" charset="0"/>
                 <a:sym typeface="Wingdings" panose="05000000000000000000" pitchFamily="2" charset="2"/>
               </a:rPr>
               <a:t>eblapkészítés</a:t>
@@ -4646,8 +4647,8 @@
         </p:nvSpPr>
         <p:spPr>
           <a:xfrm flipH="1">
-            <a:off x="295656" y="2150379"/>
-            <a:ext cx="4583178" cy="2652875"/>
+            <a:off x="-160677" y="1932971"/>
+            <a:ext cx="5366334" cy="2652875"/>
           </a:xfrm>
           <a:prstGeom prst="rect">
             <a:avLst/>
@@ -4659,10 +4660,7 @@
           </a:bodyPr>
           <a:lstStyle/>
           <a:p>
-            <a:pPr marL="0" lvl="0" indent="0" algn="l" rtl="0">
-              <a:spcBef>
-                <a:spcPts val="0"/>
-              </a:spcBef>
+            <a:pPr marL="0" lvl="0" indent="0" algn="ctr" rtl="0">
               <a:spcAft>
                 <a:spcPts val="0"/>
               </a:spcAft>
@@ -4672,31 +4670,15 @@
                 <a:solidFill>
                   <a:srgbClr val="000000"/>
                 </a:solidFill>
-                <a:latin typeface="Aptos Display" panose="020B0004020202020204" pitchFamily="34" charset="0"/>
+                <a:latin typeface="+mj-lt"/>
               </a:rPr>
-              <a:t> - Fájlok átláthatósága</a:t>
+              <a:t>  - Fájlok átláthatósága</a:t>
             </a:r>
           </a:p>
           <a:p>
-            <a:pPr marL="0" lvl="0" indent="0" algn="l" rtl="0">
-              <a:spcBef>
-                <a:spcPts val="0"/>
-              </a:spcBef>
-              <a:spcAft>
-                <a:spcPts val="0"/>
-              </a:spcAft>
-            </a:pPr>
-            <a:endParaRPr lang="hu-HU" sz="3600" b="1" dirty="0">
-              <a:solidFill>
-                <a:srgbClr val="000000"/>
-              </a:solidFill>
-              <a:latin typeface="Aptos Display" panose="020B0004020202020204" pitchFamily="34" charset="0"/>
-            </a:endParaRPr>
-          </a:p>
-          <a:p>
-            <a:pPr marL="0" lvl="0" indent="0" algn="l" rtl="0">
-              <a:spcBef>
-                <a:spcPts val="0"/>
+            <a:pPr marL="0" lvl="0" indent="0" algn="ctr" rtl="0">
+              <a:spcBef>
+                <a:spcPts val="1800"/>
               </a:spcBef>
               <a:spcAft>
                 <a:spcPts val="0"/>
@@ -4707,9 +4689,26 @@
                 <a:solidFill>
                   <a:srgbClr val="000000"/>
                 </a:solidFill>
-                <a:latin typeface="Aptos Display" panose="020B0004020202020204" pitchFamily="34" charset="0"/>
+                <a:latin typeface="+mj-lt"/>
               </a:rPr>
-              <a:t> - Akár későbbi munka    	megkönnyítése</a:t>
+              <a:t> - Akár későbbi </a:t>
+            </a:r>
+            <a:br>
+              <a:rPr lang="hu-HU" sz="3600" b="1" dirty="0">
+                <a:solidFill>
+                  <a:srgbClr val="000000"/>
+                </a:solidFill>
+                <a:latin typeface="+mj-lt"/>
+              </a:rPr>
+            </a:br>
+            <a:r>
+              <a:rPr lang="hu-HU" sz="3600" b="1" dirty="0">
+                <a:solidFill>
+                  <a:srgbClr val="000000"/>
+                </a:solidFill>
+                <a:latin typeface="+mj-lt"/>
+              </a:rPr>
+              <a:t>munka megkönnyítése</a:t>
             </a:r>
             <a:endParaRPr sz="3600" b="1" dirty="0">
               <a:solidFill>
@@ -4762,7 +4761,7 @@
         </p:nvSpPr>
         <p:spPr>
           <a:xfrm>
-            <a:off x="0" y="394397"/>
+            <a:off x="134730" y="364080"/>
             <a:ext cx="4775521" cy="1370608"/>
           </a:xfrm>
           <a:prstGeom prst="rect">
@@ -5031,7 +5030,7 @@
                 <a:solidFill>
                   <a:srgbClr val="000000"/>
                 </a:solidFill>
-                <a:latin typeface="Aptos Display" panose="020B0004020202020204" pitchFamily="34" charset="0"/>
+                <a:latin typeface="+mj-lt"/>
               </a:rPr>
               <a:t>Fájlrendszer</a:t>
             </a:r>
@@ -5039,7 +5038,7 @@
               <a:solidFill>
                 <a:srgbClr val="000000"/>
               </a:solidFill>
-              <a:latin typeface="Aptos Display" panose="020B0004020202020204" pitchFamily="34" charset="0"/>
+              <a:latin typeface="+mj-lt"/>
             </a:endParaRPr>
           </a:p>
         </p:txBody>
@@ -5115,6 +5114,201 @@
 </file>
 
 <file path=ppt/slides/slide3.xml><?xml version="1.0" encoding="utf-8"?>
+<p:sld xmlns:a="http://schemas.openxmlformats.org/drawingml/2006/main" xmlns:r="http://schemas.openxmlformats.org/officeDocument/2006/relationships" xmlns:p="http://schemas.openxmlformats.org/presentationml/2006/main">
+  <p:cSld>
+    <p:spTree>
+      <p:nvGrpSpPr>
+        <p:cNvPr id="1" name=""/>
+        <p:cNvGrpSpPr/>
+        <p:nvPr/>
+      </p:nvGrpSpPr>
+      <p:grpSpPr>
+        <a:xfrm>
+          <a:off x="0" y="0"/>
+          <a:ext cx="0" cy="0"/>
+          <a:chOff x="0" y="0"/>
+          <a:chExt cx="0" cy="0"/>
+        </a:xfrm>
+      </p:grpSpPr>
+      <p:sp>
+        <p:nvSpPr>
+          <p:cNvPr id="2" name="Cím 1">
+            <a:extLst>
+              <a:ext uri="{FF2B5EF4-FFF2-40B4-BE49-F238E27FC236}">
+                <a16:creationId xmlns:a16="http://schemas.microsoft.com/office/drawing/2014/main" id="{C6B93CEC-EEBB-414B-B3A2-A3A27212FDC6}"/>
+              </a:ext>
+            </a:extLst>
+          </p:cNvPr>
+          <p:cNvSpPr>
+            <a:spLocks noGrp="1"/>
+          </p:cNvSpPr>
+          <p:nvPr>
+            <p:ph type="title"/>
+          </p:nvPr>
+        </p:nvSpPr>
+        <p:spPr>
+          <a:xfrm flipH="1">
+            <a:off x="318219" y="69392"/>
+            <a:ext cx="4529700" cy="1482300"/>
+          </a:xfrm>
+        </p:spPr>
+        <p:txBody>
+          <a:bodyPr/>
+          <a:lstStyle/>
+          <a:p>
+            <a:r>
+              <a:rPr lang="hu-HU" dirty="0">
+                <a:solidFill>
+                  <a:srgbClr val="000000"/>
+                </a:solidFill>
+              </a:rPr>
+              <a:t>Kommunikációs csatornák</a:t>
+            </a:r>
+          </a:p>
+        </p:txBody>
+      </p:sp>
+      <p:sp>
+        <p:nvSpPr>
+          <p:cNvPr id="3" name="Alcím 2">
+            <a:extLst>
+              <a:ext uri="{FF2B5EF4-FFF2-40B4-BE49-F238E27FC236}">
+                <a16:creationId xmlns:a16="http://schemas.microsoft.com/office/drawing/2014/main" id="{2D17FD7D-C9C4-4BC7-BAF9-6AF2999F6C70}"/>
+              </a:ext>
+            </a:extLst>
+          </p:cNvPr>
+          <p:cNvSpPr>
+            <a:spLocks noGrp="1"/>
+          </p:cNvSpPr>
+          <p:nvPr>
+            <p:ph type="subTitle" idx="1"/>
+          </p:nvPr>
+        </p:nvSpPr>
+        <p:spPr>
+          <a:xfrm flipH="1">
+            <a:off x="262800" y="1809150"/>
+            <a:ext cx="2909400" cy="762600"/>
+          </a:xfrm>
+        </p:spPr>
+        <p:txBody>
+          <a:bodyPr/>
+          <a:lstStyle/>
+          <a:p>
+            <a:r>
+              <a:rPr lang="hu-HU" sz="3600" b="1" dirty="0">
+                <a:solidFill>
+                  <a:srgbClr val="000000"/>
+                </a:solidFill>
+              </a:rPr>
+              <a:t>- </a:t>
+            </a:r>
+            <a:r>
+              <a:rPr lang="hu-HU" sz="3600" b="1" dirty="0" err="1">
+                <a:solidFill>
+                  <a:srgbClr val="000000"/>
+                </a:solidFill>
+              </a:rPr>
+              <a:t>Discord</a:t>
+            </a:r>
+            <a:endParaRPr lang="hu-HU" sz="3600" b="1" dirty="0">
+              <a:solidFill>
+                <a:srgbClr val="000000"/>
+              </a:solidFill>
+            </a:endParaRPr>
+          </a:p>
+          <a:p>
+            <a:r>
+              <a:rPr lang="hu-HU" sz="3600" b="1" dirty="0">
+                <a:solidFill>
+                  <a:srgbClr val="000000"/>
+                </a:solidFill>
+              </a:rPr>
+              <a:t>- Messenger</a:t>
+            </a:r>
+          </a:p>
+          <a:p>
+            <a:r>
+              <a:rPr lang="hu-HU" sz="3600" b="1" dirty="0">
+                <a:solidFill>
+                  <a:srgbClr val="000000"/>
+                </a:solidFill>
+              </a:rPr>
+              <a:t>- </a:t>
+            </a:r>
+            <a:r>
+              <a:rPr lang="hu-HU" sz="3600" b="1" dirty="0" err="1">
+                <a:solidFill>
+                  <a:srgbClr val="000000"/>
+                </a:solidFill>
+              </a:rPr>
+              <a:t>Github</a:t>
+            </a:r>
+            <a:endParaRPr lang="hu-HU" sz="3600" b="1" dirty="0">
+              <a:solidFill>
+                <a:srgbClr val="000000"/>
+              </a:solidFill>
+            </a:endParaRPr>
+          </a:p>
+          <a:p>
+            <a:r>
+              <a:rPr lang="hu-HU" sz="3600" b="1" dirty="0">
+                <a:solidFill>
+                  <a:srgbClr val="000000"/>
+                </a:solidFill>
+              </a:rPr>
+              <a:t>- Email</a:t>
+            </a:r>
+          </a:p>
+        </p:txBody>
+      </p:sp>
+      <p:sp>
+        <p:nvSpPr>
+          <p:cNvPr id="4" name="Szövegdoboz 3">
+            <a:extLst>
+              <a:ext uri="{FF2B5EF4-FFF2-40B4-BE49-F238E27FC236}">
+                <a16:creationId xmlns:a16="http://schemas.microsoft.com/office/drawing/2014/main" id="{5CACBA5E-0CF3-44A6-9F82-93B37C1692B7}"/>
+              </a:ext>
+            </a:extLst>
+          </p:cNvPr>
+          <p:cNvSpPr txBox="1"/>
+          <p:nvPr/>
+        </p:nvSpPr>
+        <p:spPr>
+          <a:xfrm>
+            <a:off x="3706952" y="2391480"/>
+            <a:ext cx="4529700" cy="1754326"/>
+          </a:xfrm>
+          <a:prstGeom prst="rect">
+            <a:avLst/>
+          </a:prstGeom>
+          <a:noFill/>
+        </p:spPr>
+        <p:txBody>
+          <a:bodyPr wrap="square" rtlCol="0">
+            <a:spAutoFit/>
+          </a:bodyPr>
+          <a:lstStyle/>
+          <a:p>
+            <a:r>
+              <a:rPr lang="hu-HU" sz="3600" b="1" dirty="0"/>
+              <a:t>Megbeszélések, egyeztetések hetente</a:t>
+            </a:r>
+          </a:p>
+        </p:txBody>
+      </p:sp>
+    </p:spTree>
+    <p:extLst>
+      <p:ext uri="{BB962C8B-B14F-4D97-AF65-F5344CB8AC3E}">
+        <p14:creationId xmlns:p14="http://schemas.microsoft.com/office/powerpoint/2010/main" val="2911957617"/>
+      </p:ext>
+    </p:extLst>
+  </p:cSld>
+  <p:clrMapOvr>
+    <a:masterClrMapping/>
+  </p:clrMapOvr>
+</p:sld>
+</file>
+
+<file path=ppt/slides/slide4.xml><?xml version="1.0" encoding="utf-8"?>
 <p:sld xmlns:a="http://schemas.openxmlformats.org/drawingml/2006/main" xmlns:r="http://schemas.openxmlformats.org/officeDocument/2006/relationships" xmlns:p="http://schemas.openxmlformats.org/presentationml/2006/main">
   <p:cSld>
     <p:spTree>
@@ -5512,7 +5706,958 @@
 </p:sld>
 </file>
 
-<file path=ppt/slides/slide4.xml><?xml version="1.0" encoding="utf-8"?>
+<file path=ppt/slides/slide5.xml><?xml version="1.0" encoding="utf-8"?>
+<p:sld xmlns:a="http://schemas.openxmlformats.org/drawingml/2006/main" xmlns:r="http://schemas.openxmlformats.org/officeDocument/2006/relationships" xmlns:p="http://schemas.openxmlformats.org/presentationml/2006/main">
+  <p:cSld>
+    <p:spTree>
+      <p:nvGrpSpPr>
+        <p:cNvPr id="1" name="Shape 253">
+          <a:extLst>
+            <a:ext uri="{FF2B5EF4-FFF2-40B4-BE49-F238E27FC236}">
+              <a16:creationId xmlns:a16="http://schemas.microsoft.com/office/drawing/2014/main" id="{CA918241-19BA-09C1-4181-A793972C12B8}"/>
+            </a:ext>
+          </a:extLst>
+        </p:cNvPr>
+        <p:cNvGrpSpPr/>
+        <p:nvPr/>
+      </p:nvGrpSpPr>
+      <p:grpSpPr>
+        <a:xfrm>
+          <a:off x="0" y="0"/>
+          <a:ext cx="0" cy="0"/>
+          <a:chOff x="0" y="0"/>
+          <a:chExt cx="0" cy="0"/>
+        </a:xfrm>
+      </p:grpSpPr>
+      <p:sp>
+        <p:nvSpPr>
+          <p:cNvPr id="256" name="Google Shape;256;p33">
+            <a:extLst>
+              <a:ext uri="{FF2B5EF4-FFF2-40B4-BE49-F238E27FC236}">
+                <a16:creationId xmlns:a16="http://schemas.microsoft.com/office/drawing/2014/main" id="{EC83916D-6B79-7E67-E1F6-65849E5E1140}"/>
+              </a:ext>
+            </a:extLst>
+          </p:cNvPr>
+          <p:cNvSpPr txBox="1">
+            <a:spLocks noGrp="1"/>
+          </p:cNvSpPr>
+          <p:nvPr>
+            <p:ph type="subTitle" idx="1"/>
+          </p:nvPr>
+        </p:nvSpPr>
+        <p:spPr>
+          <a:xfrm flipH="1">
+            <a:off x="503377" y="1198208"/>
+            <a:ext cx="5249105" cy="3125915"/>
+          </a:xfrm>
+          <a:prstGeom prst="rect">
+            <a:avLst/>
+          </a:prstGeom>
+        </p:spPr>
+        <p:txBody>
+          <a:bodyPr spcFirstLastPara="1" wrap="square" lIns="91425" tIns="91425" rIns="91425" bIns="91425" anchor="t" anchorCtr="0">
+            <a:noAutofit/>
+          </a:bodyPr>
+          <a:lstStyle/>
+          <a:p>
+            <a:pPr marL="0" lvl="0" indent="0" algn="l" rtl="0">
+              <a:spcBef>
+                <a:spcPts val="0"/>
+              </a:spcBef>
+              <a:spcAft>
+                <a:spcPts val="0"/>
+              </a:spcAft>
+            </a:pPr>
+            <a:r>
+              <a:rPr lang="hu-HU" sz="3600" b="1" u="sng" dirty="0">
+                <a:solidFill>
+                  <a:srgbClr val="000000"/>
+                </a:solidFill>
+                <a:latin typeface="Aptos Display" panose="020B0004020202020204" pitchFamily="34" charset="0"/>
+              </a:rPr>
+              <a:t>Feladat:</a:t>
+            </a:r>
+          </a:p>
+          <a:p>
+            <a:pPr marL="0" lvl="0" indent="0" algn="l" rtl="0">
+              <a:spcBef>
+                <a:spcPts val="0"/>
+              </a:spcBef>
+              <a:spcAft>
+                <a:spcPts val="0"/>
+              </a:spcAft>
+            </a:pPr>
+            <a:r>
+              <a:rPr lang="hu-HU" sz="3600" b="1" dirty="0">
+                <a:solidFill>
+                  <a:srgbClr val="000000"/>
+                </a:solidFill>
+                <a:latin typeface="Aptos Display" panose="020B0004020202020204" pitchFamily="34" charset="0"/>
+              </a:rPr>
+              <a:t> - Navbar-Lábléc </a:t>
+            </a:r>
+          </a:p>
+          <a:p>
+            <a:pPr marL="0" lvl="0" indent="0" algn="l" rtl="0">
+              <a:spcBef>
+                <a:spcPts val="0"/>
+              </a:spcBef>
+              <a:spcAft>
+                <a:spcPts val="0"/>
+              </a:spcAft>
+            </a:pPr>
+            <a:r>
+              <a:rPr lang="hu-HU" sz="3600" b="1" dirty="0">
+                <a:solidFill>
+                  <a:srgbClr val="000000"/>
+                </a:solidFill>
+                <a:latin typeface="Aptos Display" panose="020B0004020202020204" pitchFamily="34" charset="0"/>
+              </a:rPr>
+              <a:t> - Főoldal </a:t>
+            </a:r>
+          </a:p>
+          <a:p>
+            <a:pPr marL="0" lvl="0" indent="0" algn="l" rtl="0">
+              <a:spcBef>
+                <a:spcPts val="0"/>
+              </a:spcBef>
+              <a:spcAft>
+                <a:spcPts val="0"/>
+              </a:spcAft>
+            </a:pPr>
+            <a:r>
+              <a:rPr lang="hu-HU" sz="3600" b="1" dirty="0">
+                <a:solidFill>
+                  <a:srgbClr val="000000"/>
+                </a:solidFill>
+                <a:latin typeface="Aptos Display" panose="020B0004020202020204" pitchFamily="34" charset="0"/>
+              </a:rPr>
+              <a:t> (+ egyebek)</a:t>
+            </a:r>
+          </a:p>
+          <a:p>
+            <a:pPr marL="0" lvl="0" indent="0" algn="l" rtl="0">
+              <a:spcBef>
+                <a:spcPts val="0"/>
+              </a:spcBef>
+              <a:spcAft>
+                <a:spcPts val="0"/>
+              </a:spcAft>
+            </a:pPr>
+            <a:r>
+              <a:rPr lang="hu-HU" sz="3600" b="1" dirty="0">
+                <a:solidFill>
+                  <a:srgbClr val="000000"/>
+                </a:solidFill>
+                <a:latin typeface="Aptos Display" panose="020B0004020202020204" pitchFamily="34" charset="0"/>
+              </a:rPr>
+              <a:t>részek elkészítése</a:t>
+            </a:r>
+          </a:p>
+          <a:p>
+            <a:pPr marL="0" lvl="0" indent="0" algn="l" rtl="0">
+              <a:spcBef>
+                <a:spcPts val="0"/>
+              </a:spcBef>
+              <a:spcAft>
+                <a:spcPts val="0"/>
+              </a:spcAft>
+            </a:pPr>
+            <a:r>
+              <a:rPr lang="hu-HU" sz="3600" b="1" dirty="0">
+                <a:solidFill>
+                  <a:srgbClr val="000000"/>
+                </a:solidFill>
+                <a:latin typeface="Aptos Display" panose="020B0004020202020204" pitchFamily="34" charset="0"/>
+              </a:rPr>
+              <a:t>- Motorok oldal keretének </a:t>
+            </a:r>
+            <a:r>
+              <a:rPr lang="hu-HU" sz="3600" b="1" dirty="0" err="1">
+                <a:solidFill>
+                  <a:srgbClr val="000000"/>
+                </a:solidFill>
+                <a:latin typeface="Aptos Display" panose="020B0004020202020204" pitchFamily="34" charset="0"/>
+              </a:rPr>
+              <a:t>kialakíása</a:t>
+            </a:r>
+            <a:endParaRPr sz="3600" b="1" dirty="0">
+              <a:solidFill>
+                <a:srgbClr val="000000"/>
+              </a:solidFill>
+              <a:latin typeface="Aptos Display" panose="020B0004020202020204" pitchFamily="34" charset="0"/>
+            </a:endParaRPr>
+          </a:p>
+        </p:txBody>
+      </p:sp>
+      <p:cxnSp>
+        <p:nvCxnSpPr>
+          <p:cNvPr id="263" name="Google Shape;263;p33">
+            <a:extLst>
+              <a:ext uri="{FF2B5EF4-FFF2-40B4-BE49-F238E27FC236}">
+                <a16:creationId xmlns:a16="http://schemas.microsoft.com/office/drawing/2014/main" id="{67FF6189-37B5-C324-8D58-A81790B2B4CE}"/>
+              </a:ext>
+            </a:extLst>
+          </p:cNvPr>
+          <p:cNvCxnSpPr/>
+          <p:nvPr/>
+        </p:nvCxnSpPr>
+        <p:spPr>
+          <a:xfrm>
+            <a:off x="503377" y="1949630"/>
+            <a:ext cx="0" cy="872100"/>
+          </a:xfrm>
+          <a:prstGeom prst="straightConnector1">
+            <a:avLst/>
+          </a:prstGeom>
+          <a:noFill/>
+          <a:ln w="19050" cap="flat" cmpd="sng">
+            <a:solidFill>
+              <a:schemeClr val="lt1"/>
+            </a:solidFill>
+            <a:prstDash val="solid"/>
+            <a:round/>
+            <a:headEnd type="none" w="med" len="med"/>
+            <a:tailEnd type="none" w="med" len="med"/>
+          </a:ln>
+        </p:spPr>
+      </p:cxnSp>
+      <p:sp>
+        <p:nvSpPr>
+          <p:cNvPr id="2" name="Google Shape;200;p30">
+            <a:extLst>
+              <a:ext uri="{FF2B5EF4-FFF2-40B4-BE49-F238E27FC236}">
+                <a16:creationId xmlns:a16="http://schemas.microsoft.com/office/drawing/2014/main" id="{FD70F357-163F-1D32-9C9D-C61C4A0D7E2F}"/>
+              </a:ext>
+            </a:extLst>
+          </p:cNvPr>
+          <p:cNvSpPr txBox="1">
+            <a:spLocks/>
+          </p:cNvSpPr>
+          <p:nvPr/>
+        </p:nvSpPr>
+        <p:spPr>
+          <a:xfrm>
+            <a:off x="503377" y="-100018"/>
+            <a:ext cx="4775521" cy="1370608"/>
+          </a:xfrm>
+          <a:prstGeom prst="rect">
+            <a:avLst/>
+          </a:prstGeom>
+          <a:noFill/>
+          <a:ln>
+            <a:noFill/>
+          </a:ln>
+        </p:spPr>
+        <p:txBody>
+          <a:bodyPr spcFirstLastPara="1" wrap="square" lIns="91425" tIns="91425" rIns="91425" bIns="91425" anchor="ctr" anchorCtr="0">
+            <a:noAutofit/>
+          </a:bodyPr>
+          <a:lstStyle>
+            <a:defPPr marR="0" lvl="0" algn="l" rtl="0">
+              <a:lnSpc>
+                <a:spcPct val="100000"/>
+              </a:lnSpc>
+              <a:spcBef>
+                <a:spcPts val="0"/>
+              </a:spcBef>
+              <a:spcAft>
+                <a:spcPts val="0"/>
+              </a:spcAft>
+            </a:defPPr>
+            <a:lvl1pPr marR="0" lvl="0" algn="l" rtl="0">
+              <a:lnSpc>
+                <a:spcPct val="100000"/>
+              </a:lnSpc>
+              <a:spcBef>
+                <a:spcPts val="0"/>
+              </a:spcBef>
+              <a:spcAft>
+                <a:spcPts val="0"/>
+              </a:spcAft>
+              <a:buClr>
+                <a:schemeClr val="lt1"/>
+              </a:buClr>
+              <a:buSzPts val="4200"/>
+              <a:buFont typeface="Montserrat"/>
+              <a:buNone/>
+              <a:defRPr sz="3600" b="1" i="0" u="none" strike="noStrike" cap="none">
+                <a:solidFill>
+                  <a:schemeClr val="lt1"/>
+                </a:solidFill>
+                <a:latin typeface="Montserrat"/>
+                <a:ea typeface="Montserrat"/>
+                <a:cs typeface="Montserrat"/>
+                <a:sym typeface="Montserrat"/>
+              </a:defRPr>
+            </a:lvl1pPr>
+            <a:lvl2pPr marR="0" lvl="1" algn="l" rtl="0">
+              <a:lnSpc>
+                <a:spcPct val="100000"/>
+              </a:lnSpc>
+              <a:spcBef>
+                <a:spcPts val="0"/>
+              </a:spcBef>
+              <a:spcAft>
+                <a:spcPts val="0"/>
+              </a:spcAft>
+              <a:buClr>
+                <a:schemeClr val="lt1"/>
+              </a:buClr>
+              <a:buSzPts val="4200"/>
+              <a:buFont typeface="Josefin Sans"/>
+              <a:buNone/>
+              <a:defRPr sz="4200" b="1" i="0" u="none" strike="noStrike" cap="none">
+                <a:solidFill>
+                  <a:schemeClr val="lt1"/>
+                </a:solidFill>
+                <a:latin typeface="Josefin Sans"/>
+                <a:ea typeface="Josefin Sans"/>
+                <a:cs typeface="Josefin Sans"/>
+                <a:sym typeface="Josefin Sans"/>
+              </a:defRPr>
+            </a:lvl2pPr>
+            <a:lvl3pPr marR="0" lvl="2" algn="l" rtl="0">
+              <a:lnSpc>
+                <a:spcPct val="100000"/>
+              </a:lnSpc>
+              <a:spcBef>
+                <a:spcPts val="0"/>
+              </a:spcBef>
+              <a:spcAft>
+                <a:spcPts val="0"/>
+              </a:spcAft>
+              <a:buClr>
+                <a:schemeClr val="lt1"/>
+              </a:buClr>
+              <a:buSzPts val="4200"/>
+              <a:buFont typeface="Josefin Sans"/>
+              <a:buNone/>
+              <a:defRPr sz="4200" b="1" i="0" u="none" strike="noStrike" cap="none">
+                <a:solidFill>
+                  <a:schemeClr val="lt1"/>
+                </a:solidFill>
+                <a:latin typeface="Josefin Sans"/>
+                <a:ea typeface="Josefin Sans"/>
+                <a:cs typeface="Josefin Sans"/>
+                <a:sym typeface="Josefin Sans"/>
+              </a:defRPr>
+            </a:lvl3pPr>
+            <a:lvl4pPr marR="0" lvl="3" algn="l" rtl="0">
+              <a:lnSpc>
+                <a:spcPct val="100000"/>
+              </a:lnSpc>
+              <a:spcBef>
+                <a:spcPts val="0"/>
+              </a:spcBef>
+              <a:spcAft>
+                <a:spcPts val="0"/>
+              </a:spcAft>
+              <a:buClr>
+                <a:schemeClr val="lt1"/>
+              </a:buClr>
+              <a:buSzPts val="4200"/>
+              <a:buFont typeface="Josefin Sans"/>
+              <a:buNone/>
+              <a:defRPr sz="4200" b="1" i="0" u="none" strike="noStrike" cap="none">
+                <a:solidFill>
+                  <a:schemeClr val="lt1"/>
+                </a:solidFill>
+                <a:latin typeface="Josefin Sans"/>
+                <a:ea typeface="Josefin Sans"/>
+                <a:cs typeface="Josefin Sans"/>
+                <a:sym typeface="Josefin Sans"/>
+              </a:defRPr>
+            </a:lvl4pPr>
+            <a:lvl5pPr marR="0" lvl="4" algn="l" rtl="0">
+              <a:lnSpc>
+                <a:spcPct val="100000"/>
+              </a:lnSpc>
+              <a:spcBef>
+                <a:spcPts val="0"/>
+              </a:spcBef>
+              <a:spcAft>
+                <a:spcPts val="0"/>
+              </a:spcAft>
+              <a:buClr>
+                <a:schemeClr val="lt1"/>
+              </a:buClr>
+              <a:buSzPts val="4200"/>
+              <a:buFont typeface="Josefin Sans"/>
+              <a:buNone/>
+              <a:defRPr sz="4200" b="1" i="0" u="none" strike="noStrike" cap="none">
+                <a:solidFill>
+                  <a:schemeClr val="lt1"/>
+                </a:solidFill>
+                <a:latin typeface="Josefin Sans"/>
+                <a:ea typeface="Josefin Sans"/>
+                <a:cs typeface="Josefin Sans"/>
+                <a:sym typeface="Josefin Sans"/>
+              </a:defRPr>
+            </a:lvl5pPr>
+            <a:lvl6pPr marR="0" lvl="5" algn="l" rtl="0">
+              <a:lnSpc>
+                <a:spcPct val="100000"/>
+              </a:lnSpc>
+              <a:spcBef>
+                <a:spcPts val="0"/>
+              </a:spcBef>
+              <a:spcAft>
+                <a:spcPts val="0"/>
+              </a:spcAft>
+              <a:buClr>
+                <a:schemeClr val="lt1"/>
+              </a:buClr>
+              <a:buSzPts val="4200"/>
+              <a:buFont typeface="Josefin Sans"/>
+              <a:buNone/>
+              <a:defRPr sz="4200" b="1" i="0" u="none" strike="noStrike" cap="none">
+                <a:solidFill>
+                  <a:schemeClr val="lt1"/>
+                </a:solidFill>
+                <a:latin typeface="Josefin Sans"/>
+                <a:ea typeface="Josefin Sans"/>
+                <a:cs typeface="Josefin Sans"/>
+                <a:sym typeface="Josefin Sans"/>
+              </a:defRPr>
+            </a:lvl6pPr>
+            <a:lvl7pPr marR="0" lvl="6" algn="l" rtl="0">
+              <a:lnSpc>
+                <a:spcPct val="100000"/>
+              </a:lnSpc>
+              <a:spcBef>
+                <a:spcPts val="0"/>
+              </a:spcBef>
+              <a:spcAft>
+                <a:spcPts val="0"/>
+              </a:spcAft>
+              <a:buClr>
+                <a:schemeClr val="lt1"/>
+              </a:buClr>
+              <a:buSzPts val="4200"/>
+              <a:buFont typeface="Josefin Sans"/>
+              <a:buNone/>
+              <a:defRPr sz="4200" b="1" i="0" u="none" strike="noStrike" cap="none">
+                <a:solidFill>
+                  <a:schemeClr val="lt1"/>
+                </a:solidFill>
+                <a:latin typeface="Josefin Sans"/>
+                <a:ea typeface="Josefin Sans"/>
+                <a:cs typeface="Josefin Sans"/>
+                <a:sym typeface="Josefin Sans"/>
+              </a:defRPr>
+            </a:lvl7pPr>
+            <a:lvl8pPr marR="0" lvl="7" algn="l" rtl="0">
+              <a:lnSpc>
+                <a:spcPct val="100000"/>
+              </a:lnSpc>
+              <a:spcBef>
+                <a:spcPts val="0"/>
+              </a:spcBef>
+              <a:spcAft>
+                <a:spcPts val="0"/>
+              </a:spcAft>
+              <a:buClr>
+                <a:schemeClr val="lt1"/>
+              </a:buClr>
+              <a:buSzPts val="4200"/>
+              <a:buFont typeface="Josefin Sans"/>
+              <a:buNone/>
+              <a:defRPr sz="4200" b="1" i="0" u="none" strike="noStrike" cap="none">
+                <a:solidFill>
+                  <a:schemeClr val="lt1"/>
+                </a:solidFill>
+                <a:latin typeface="Josefin Sans"/>
+                <a:ea typeface="Josefin Sans"/>
+                <a:cs typeface="Josefin Sans"/>
+                <a:sym typeface="Josefin Sans"/>
+              </a:defRPr>
+            </a:lvl8pPr>
+            <a:lvl9pPr marR="0" lvl="8" algn="l" rtl="0">
+              <a:lnSpc>
+                <a:spcPct val="100000"/>
+              </a:lnSpc>
+              <a:spcBef>
+                <a:spcPts val="0"/>
+              </a:spcBef>
+              <a:spcAft>
+                <a:spcPts val="0"/>
+              </a:spcAft>
+              <a:buClr>
+                <a:schemeClr val="lt1"/>
+              </a:buClr>
+              <a:buSzPts val="4200"/>
+              <a:buFont typeface="Josefin Sans"/>
+              <a:buNone/>
+              <a:defRPr sz="4200" b="1" i="0" u="none" strike="noStrike" cap="none">
+                <a:solidFill>
+                  <a:schemeClr val="lt1"/>
+                </a:solidFill>
+                <a:latin typeface="Josefin Sans"/>
+                <a:ea typeface="Josefin Sans"/>
+                <a:cs typeface="Josefin Sans"/>
+                <a:sym typeface="Josefin Sans"/>
+              </a:defRPr>
+            </a:lvl9pPr>
+          </a:lstStyle>
+          <a:p>
+            <a:r>
+              <a:rPr lang="hu-HU" sz="6600" dirty="0">
+                <a:solidFill>
+                  <a:srgbClr val="000000"/>
+                </a:solidFill>
+                <a:latin typeface="Aptos Display" panose="020B0004020202020204" pitchFamily="34" charset="0"/>
+              </a:rPr>
+              <a:t>BÁLINT: </a:t>
+            </a:r>
+          </a:p>
+        </p:txBody>
+      </p:sp>
+      <p:cxnSp>
+        <p:nvCxnSpPr>
+          <p:cNvPr id="5" name="Google Shape;209;p30">
+            <a:extLst>
+              <a:ext uri="{FF2B5EF4-FFF2-40B4-BE49-F238E27FC236}">
+                <a16:creationId xmlns:a16="http://schemas.microsoft.com/office/drawing/2014/main" id="{3BABB9AE-38D2-CE84-3A81-69E9054E74E6}"/>
+              </a:ext>
+            </a:extLst>
+          </p:cNvPr>
+          <p:cNvCxnSpPr/>
+          <p:nvPr/>
+        </p:nvCxnSpPr>
+        <p:spPr>
+          <a:xfrm>
+            <a:off x="587092" y="491353"/>
+            <a:ext cx="0" cy="872100"/>
+          </a:xfrm>
+          <a:prstGeom prst="straightConnector1">
+            <a:avLst/>
+          </a:prstGeom>
+          <a:noFill/>
+          <a:ln w="19050" cap="flat" cmpd="sng">
+            <a:solidFill>
+              <a:schemeClr val="lt1"/>
+            </a:solidFill>
+            <a:prstDash val="solid"/>
+            <a:round/>
+            <a:headEnd type="none" w="med" len="med"/>
+            <a:tailEnd type="none" w="med" len="med"/>
+          </a:ln>
+        </p:spPr>
+      </p:cxnSp>
+      <p:sp>
+        <p:nvSpPr>
+          <p:cNvPr id="3" name="Google Shape;256;p33">
+            <a:extLst>
+              <a:ext uri="{FF2B5EF4-FFF2-40B4-BE49-F238E27FC236}">
+                <a16:creationId xmlns:a16="http://schemas.microsoft.com/office/drawing/2014/main" id="{65D96F0E-6251-4598-9660-E4B4477C5CBB}"/>
+              </a:ext>
+            </a:extLst>
+          </p:cNvPr>
+          <p:cNvSpPr txBox="1">
+            <a:spLocks/>
+          </p:cNvSpPr>
+          <p:nvPr/>
+        </p:nvSpPr>
+        <p:spPr>
+          <a:xfrm flipH="1">
+            <a:off x="3986245" y="1513420"/>
+            <a:ext cx="5003641" cy="3125915"/>
+          </a:xfrm>
+          <a:prstGeom prst="rect">
+            <a:avLst/>
+          </a:prstGeom>
+          <a:noFill/>
+          <a:ln>
+            <a:noFill/>
+          </a:ln>
+        </p:spPr>
+        <p:txBody>
+          <a:bodyPr spcFirstLastPara="1" wrap="square" lIns="91425" tIns="91425" rIns="91425" bIns="91425" anchor="t" anchorCtr="0">
+            <a:noAutofit/>
+          </a:bodyPr>
+          <a:lstStyle>
+            <a:defPPr marR="0" lvl="0" algn="l" rtl="0">
+              <a:lnSpc>
+                <a:spcPct val="100000"/>
+              </a:lnSpc>
+              <a:spcBef>
+                <a:spcPts val="0"/>
+              </a:spcBef>
+              <a:spcAft>
+                <a:spcPts val="0"/>
+              </a:spcAft>
+            </a:defPPr>
+            <a:lvl1pPr marL="457200" marR="0" lvl="0" indent="-342900" algn="l" rtl="0">
+              <a:lnSpc>
+                <a:spcPct val="100000"/>
+              </a:lnSpc>
+              <a:spcBef>
+                <a:spcPts val="0"/>
+              </a:spcBef>
+              <a:spcAft>
+                <a:spcPts val="0"/>
+              </a:spcAft>
+              <a:buClr>
+                <a:schemeClr val="lt1"/>
+              </a:buClr>
+              <a:buSzPts val="2100"/>
+              <a:buFont typeface="Muli"/>
+              <a:buNone/>
+              <a:defRPr sz="1400" b="0" i="0" u="none" strike="noStrike" cap="none">
+                <a:solidFill>
+                  <a:schemeClr val="lt1"/>
+                </a:solidFill>
+                <a:latin typeface="Muli"/>
+                <a:ea typeface="Muli"/>
+                <a:cs typeface="Muli"/>
+                <a:sym typeface="Muli"/>
+              </a:defRPr>
+            </a:lvl1pPr>
+            <a:lvl2pPr marL="914400" marR="0" lvl="1" indent="-317500" algn="r" rtl="0">
+              <a:lnSpc>
+                <a:spcPct val="100000"/>
+              </a:lnSpc>
+              <a:spcBef>
+                <a:spcPts val="0"/>
+              </a:spcBef>
+              <a:spcAft>
+                <a:spcPts val="0"/>
+              </a:spcAft>
+              <a:buClr>
+                <a:schemeClr val="lt1"/>
+              </a:buClr>
+              <a:buSzPts val="2100"/>
+              <a:buFont typeface="Muli"/>
+              <a:buNone/>
+              <a:defRPr sz="2100" b="0" i="0" u="none" strike="noStrike" cap="none">
+                <a:solidFill>
+                  <a:schemeClr val="lt1"/>
+                </a:solidFill>
+                <a:latin typeface="Muli"/>
+                <a:ea typeface="Muli"/>
+                <a:cs typeface="Muli"/>
+                <a:sym typeface="Muli"/>
+              </a:defRPr>
+            </a:lvl2pPr>
+            <a:lvl3pPr marL="1371600" marR="0" lvl="2" indent="-317500" algn="r" rtl="0">
+              <a:lnSpc>
+                <a:spcPct val="100000"/>
+              </a:lnSpc>
+              <a:spcBef>
+                <a:spcPts val="0"/>
+              </a:spcBef>
+              <a:spcAft>
+                <a:spcPts val="0"/>
+              </a:spcAft>
+              <a:buClr>
+                <a:schemeClr val="lt1"/>
+              </a:buClr>
+              <a:buSzPts val="2100"/>
+              <a:buFont typeface="Muli"/>
+              <a:buNone/>
+              <a:defRPr sz="2100" b="0" i="0" u="none" strike="noStrike" cap="none">
+                <a:solidFill>
+                  <a:schemeClr val="lt1"/>
+                </a:solidFill>
+                <a:latin typeface="Muli"/>
+                <a:ea typeface="Muli"/>
+                <a:cs typeface="Muli"/>
+                <a:sym typeface="Muli"/>
+              </a:defRPr>
+            </a:lvl3pPr>
+            <a:lvl4pPr marL="1828800" marR="0" lvl="3" indent="-317500" algn="r" rtl="0">
+              <a:lnSpc>
+                <a:spcPct val="100000"/>
+              </a:lnSpc>
+              <a:spcBef>
+                <a:spcPts val="0"/>
+              </a:spcBef>
+              <a:spcAft>
+                <a:spcPts val="0"/>
+              </a:spcAft>
+              <a:buClr>
+                <a:schemeClr val="lt1"/>
+              </a:buClr>
+              <a:buSzPts val="2100"/>
+              <a:buFont typeface="Muli"/>
+              <a:buNone/>
+              <a:defRPr sz="2100" b="0" i="0" u="none" strike="noStrike" cap="none">
+                <a:solidFill>
+                  <a:schemeClr val="lt1"/>
+                </a:solidFill>
+                <a:latin typeface="Muli"/>
+                <a:ea typeface="Muli"/>
+                <a:cs typeface="Muli"/>
+                <a:sym typeface="Muli"/>
+              </a:defRPr>
+            </a:lvl4pPr>
+            <a:lvl5pPr marL="2286000" marR="0" lvl="4" indent="-317500" algn="r" rtl="0">
+              <a:lnSpc>
+                <a:spcPct val="100000"/>
+              </a:lnSpc>
+              <a:spcBef>
+                <a:spcPts val="0"/>
+              </a:spcBef>
+              <a:spcAft>
+                <a:spcPts val="0"/>
+              </a:spcAft>
+              <a:buClr>
+                <a:schemeClr val="lt1"/>
+              </a:buClr>
+              <a:buSzPts val="2100"/>
+              <a:buFont typeface="Muli"/>
+              <a:buNone/>
+              <a:defRPr sz="2100" b="0" i="0" u="none" strike="noStrike" cap="none">
+                <a:solidFill>
+                  <a:schemeClr val="lt1"/>
+                </a:solidFill>
+                <a:latin typeface="Muli"/>
+                <a:ea typeface="Muli"/>
+                <a:cs typeface="Muli"/>
+                <a:sym typeface="Muli"/>
+              </a:defRPr>
+            </a:lvl5pPr>
+            <a:lvl6pPr marL="2743200" marR="0" lvl="5" indent="-317500" algn="r" rtl="0">
+              <a:lnSpc>
+                <a:spcPct val="100000"/>
+              </a:lnSpc>
+              <a:spcBef>
+                <a:spcPts val="0"/>
+              </a:spcBef>
+              <a:spcAft>
+                <a:spcPts val="0"/>
+              </a:spcAft>
+              <a:buClr>
+                <a:schemeClr val="lt1"/>
+              </a:buClr>
+              <a:buSzPts val="2100"/>
+              <a:buFont typeface="Muli"/>
+              <a:buNone/>
+              <a:defRPr sz="2100" b="0" i="0" u="none" strike="noStrike" cap="none">
+                <a:solidFill>
+                  <a:schemeClr val="lt1"/>
+                </a:solidFill>
+                <a:latin typeface="Muli"/>
+                <a:ea typeface="Muli"/>
+                <a:cs typeface="Muli"/>
+                <a:sym typeface="Muli"/>
+              </a:defRPr>
+            </a:lvl6pPr>
+            <a:lvl7pPr marL="3200400" marR="0" lvl="6" indent="-317500" algn="r" rtl="0">
+              <a:lnSpc>
+                <a:spcPct val="100000"/>
+              </a:lnSpc>
+              <a:spcBef>
+                <a:spcPts val="0"/>
+              </a:spcBef>
+              <a:spcAft>
+                <a:spcPts val="0"/>
+              </a:spcAft>
+              <a:buClr>
+                <a:schemeClr val="lt1"/>
+              </a:buClr>
+              <a:buSzPts val="2100"/>
+              <a:buFont typeface="Muli"/>
+              <a:buNone/>
+              <a:defRPr sz="2100" b="0" i="0" u="none" strike="noStrike" cap="none">
+                <a:solidFill>
+                  <a:schemeClr val="lt1"/>
+                </a:solidFill>
+                <a:latin typeface="Muli"/>
+                <a:ea typeface="Muli"/>
+                <a:cs typeface="Muli"/>
+                <a:sym typeface="Muli"/>
+              </a:defRPr>
+            </a:lvl7pPr>
+            <a:lvl8pPr marL="3657600" marR="0" lvl="7" indent="-317500" algn="r" rtl="0">
+              <a:lnSpc>
+                <a:spcPct val="100000"/>
+              </a:lnSpc>
+              <a:spcBef>
+                <a:spcPts val="0"/>
+              </a:spcBef>
+              <a:spcAft>
+                <a:spcPts val="0"/>
+              </a:spcAft>
+              <a:buClr>
+                <a:schemeClr val="lt1"/>
+              </a:buClr>
+              <a:buSzPts val="2100"/>
+              <a:buFont typeface="Muli"/>
+              <a:buNone/>
+              <a:defRPr sz="2100" b="0" i="0" u="none" strike="noStrike" cap="none">
+                <a:solidFill>
+                  <a:schemeClr val="lt1"/>
+                </a:solidFill>
+                <a:latin typeface="Muli"/>
+                <a:ea typeface="Muli"/>
+                <a:cs typeface="Muli"/>
+                <a:sym typeface="Muli"/>
+              </a:defRPr>
+            </a:lvl8pPr>
+            <a:lvl9pPr marL="4114800" marR="0" lvl="8" indent="-317500" algn="r" rtl="0">
+              <a:lnSpc>
+                <a:spcPct val="100000"/>
+              </a:lnSpc>
+              <a:spcBef>
+                <a:spcPts val="0"/>
+              </a:spcBef>
+              <a:spcAft>
+                <a:spcPts val="0"/>
+              </a:spcAft>
+              <a:buClr>
+                <a:schemeClr val="lt1"/>
+              </a:buClr>
+              <a:buSzPts val="2100"/>
+              <a:buFont typeface="Muli"/>
+              <a:buNone/>
+              <a:defRPr sz="2100" b="0" i="0" u="none" strike="noStrike" cap="none">
+                <a:solidFill>
+                  <a:schemeClr val="lt1"/>
+                </a:solidFill>
+                <a:latin typeface="Muli"/>
+                <a:ea typeface="Muli"/>
+                <a:cs typeface="Muli"/>
+                <a:sym typeface="Muli"/>
+              </a:defRPr>
+            </a:lvl9pPr>
+          </a:lstStyle>
+          <a:p>
+            <a:pPr marL="0" indent="0"/>
+            <a:r>
+              <a:rPr lang="hu-HU" sz="3600" b="1" u="sng" dirty="0">
+                <a:solidFill>
+                  <a:srgbClr val="000000"/>
+                </a:solidFill>
+                <a:latin typeface="Aptos Display" panose="020B0004020202020204" pitchFamily="34" charset="0"/>
+              </a:rPr>
+              <a:t>Felhasznált erőforrások:</a:t>
+            </a:r>
+          </a:p>
+          <a:p>
+            <a:pPr marL="0" indent="0" algn="ctr"/>
+            <a:r>
+              <a:rPr lang="hu-HU" sz="3600" b="1" dirty="0">
+                <a:solidFill>
+                  <a:srgbClr val="000000"/>
+                </a:solidFill>
+                <a:latin typeface="Aptos Display" panose="020B0004020202020204" pitchFamily="34" charset="0"/>
+              </a:rPr>
+              <a:t> - Photoshop </a:t>
+            </a:r>
+          </a:p>
+          <a:p>
+            <a:pPr marL="0" indent="0" algn="ctr"/>
+            <a:r>
+              <a:rPr lang="hu-HU" sz="3600" b="1" dirty="0">
+                <a:solidFill>
+                  <a:srgbClr val="000000"/>
+                </a:solidFill>
+                <a:latin typeface="Aptos Display" panose="020B0004020202020204" pitchFamily="34" charset="0"/>
+              </a:rPr>
+              <a:t> - Copilot</a:t>
+            </a:r>
+          </a:p>
+          <a:p>
+            <a:pPr marL="0" indent="0" algn="ctr"/>
+            <a:r>
+              <a:rPr lang="hu-HU" sz="3600" b="1" dirty="0">
+                <a:solidFill>
+                  <a:srgbClr val="000000"/>
+                </a:solidFill>
+                <a:latin typeface="Aptos Display" panose="020B0004020202020204" pitchFamily="34" charset="0"/>
+              </a:rPr>
+              <a:t> - </a:t>
+            </a:r>
+            <a:r>
+              <a:rPr lang="hu-HU" sz="3600" b="1" dirty="0" err="1">
+                <a:solidFill>
+                  <a:srgbClr val="000000"/>
+                </a:solidFill>
+                <a:latin typeface="Aptos Display" panose="020B0004020202020204" pitchFamily="34" charset="0"/>
+              </a:rPr>
+              <a:t>ChatGPT</a:t>
+            </a:r>
+            <a:endParaRPr lang="hu-HU" sz="3600" b="1" dirty="0">
+              <a:solidFill>
+                <a:srgbClr val="000000"/>
+              </a:solidFill>
+              <a:latin typeface="Aptos Display" panose="020B0004020202020204" pitchFamily="34" charset="0"/>
+            </a:endParaRPr>
+          </a:p>
+          <a:p>
+            <a:pPr marL="0" indent="0" algn="ctr"/>
+            <a:r>
+              <a:rPr lang="hu-HU" sz="3600" b="1" dirty="0">
+                <a:solidFill>
+                  <a:srgbClr val="000000"/>
+                </a:solidFill>
+                <a:latin typeface="Aptos Display" panose="020B0004020202020204" pitchFamily="34" charset="0"/>
+              </a:rPr>
+              <a:t>- Bing</a:t>
+            </a:r>
+          </a:p>
+          <a:p>
+            <a:pPr marL="0" indent="0"/>
+            <a:r>
+              <a:rPr lang="hu-HU" sz="3600" b="1" dirty="0">
+                <a:solidFill>
+                  <a:srgbClr val="000000"/>
+                </a:solidFill>
+                <a:latin typeface="Aptos Display" panose="020B0004020202020204" pitchFamily="34" charset="0"/>
+              </a:rPr>
+              <a:t> </a:t>
+            </a:r>
+          </a:p>
+        </p:txBody>
+      </p:sp>
+      <p:cxnSp>
+        <p:nvCxnSpPr>
+          <p:cNvPr id="4" name="Google Shape;263;p33">
+            <a:extLst>
+              <a:ext uri="{FF2B5EF4-FFF2-40B4-BE49-F238E27FC236}">
+                <a16:creationId xmlns:a16="http://schemas.microsoft.com/office/drawing/2014/main" id="{9E50B3F2-D467-2C49-EB25-4DAA03079E5A}"/>
+              </a:ext>
+            </a:extLst>
+          </p:cNvPr>
+          <p:cNvCxnSpPr/>
+          <p:nvPr/>
+        </p:nvCxnSpPr>
+        <p:spPr>
+          <a:xfrm>
+            <a:off x="8794150" y="1612707"/>
+            <a:ext cx="0" cy="872100"/>
+          </a:xfrm>
+          <a:prstGeom prst="straightConnector1">
+            <a:avLst/>
+          </a:prstGeom>
+          <a:noFill/>
+          <a:ln w="19050" cap="flat" cmpd="sng">
+            <a:solidFill>
+              <a:schemeClr val="lt1"/>
+            </a:solidFill>
+            <a:prstDash val="solid"/>
+            <a:round/>
+            <a:headEnd type="none" w="med" len="med"/>
+            <a:tailEnd type="none" w="med" len="med"/>
+          </a:ln>
+        </p:spPr>
+      </p:cxnSp>
+    </p:spTree>
+    <p:extLst>
+      <p:ext uri="{BB962C8B-B14F-4D97-AF65-F5344CB8AC3E}">
+        <p14:creationId xmlns:p14="http://schemas.microsoft.com/office/powerpoint/2010/main" val="2782277977"/>
+      </p:ext>
+    </p:extLst>
+  </p:cSld>
+  <p:clrMapOvr>
+    <a:masterClrMapping/>
+  </p:clrMapOvr>
+</p:sld>
+</file>
+
+<file path=ppt/slides/slide6.xml><?xml version="1.0" encoding="utf-8"?>
 <p:sld xmlns:a="http://schemas.openxmlformats.org/drawingml/2006/main" xmlns:r="http://schemas.openxmlformats.org/officeDocument/2006/relationships" xmlns:p="http://schemas.openxmlformats.org/presentationml/2006/main">
   <p:cSld>
     <p:spTree>
@@ -5639,6 +6784,25 @@
                 <a:latin typeface="Aptos Display" panose="020B0004020202020204" pitchFamily="34" charset="0"/>
               </a:rPr>
               <a:t>részek elkészítése</a:t>
+            </a:r>
+          </a:p>
+          <a:p>
+            <a:pPr marL="0" lvl="0" indent="0" algn="l" rtl="0">
+              <a:spcBef>
+                <a:spcPts val="0"/>
+              </a:spcBef>
+              <a:spcAft>
+                <a:spcPts val="0"/>
+              </a:spcAft>
+            </a:pPr>
+            <a:r>
+              <a:rPr lang="hu-HU" sz="3600" b="1" dirty="0">
+                <a:solidFill>
+                  <a:srgbClr val="000000"/>
+                </a:solidFill>
+                <a:latin typeface="Aptos Display" panose="020B0004020202020204" pitchFamily="34" charset="0"/>
+              </a:rPr>
+              <a:t>- Anyaggyűjtés</a:t>
             </a:r>
             <a:endParaRPr sz="3600" b="1" dirty="0">
               <a:solidFill>
@@ -6306,6 +7470,15 @@
               <a:t> - Photoshop </a:t>
             </a:r>
           </a:p>
+          <a:p>
+            <a:pPr marL="0" indent="0"/>
+            <a:endParaRPr lang="hu-HU" sz="3600" b="1" dirty="0">
+              <a:solidFill>
+                <a:srgbClr val="000000"/>
+              </a:solidFill>
+              <a:latin typeface="Aptos Display" panose="020B0004020202020204" pitchFamily="34" charset="0"/>
+            </a:endParaRPr>
+          </a:p>
         </p:txBody>
       </p:sp>
       <p:cxnSp>
@@ -6353,903 +7526,7 @@
 </p:sld>
 </file>
 
-<file path=ppt/slides/slide5.xml><?xml version="1.0" encoding="utf-8"?>
-<p:sld xmlns:a="http://schemas.openxmlformats.org/drawingml/2006/main" xmlns:r="http://schemas.openxmlformats.org/officeDocument/2006/relationships" xmlns:p="http://schemas.openxmlformats.org/presentationml/2006/main">
-  <p:cSld>
-    <p:spTree>
-      <p:nvGrpSpPr>
-        <p:cNvPr id="1" name="Shape 253">
-          <a:extLst>
-            <a:ext uri="{FF2B5EF4-FFF2-40B4-BE49-F238E27FC236}">
-              <a16:creationId xmlns:a16="http://schemas.microsoft.com/office/drawing/2014/main" id="{CA918241-19BA-09C1-4181-A793972C12B8}"/>
-            </a:ext>
-          </a:extLst>
-        </p:cNvPr>
-        <p:cNvGrpSpPr/>
-        <p:nvPr/>
-      </p:nvGrpSpPr>
-      <p:grpSpPr>
-        <a:xfrm>
-          <a:off x="0" y="0"/>
-          <a:ext cx="0" cy="0"/>
-          <a:chOff x="0" y="0"/>
-          <a:chExt cx="0" cy="0"/>
-        </a:xfrm>
-      </p:grpSpPr>
-      <p:sp>
-        <p:nvSpPr>
-          <p:cNvPr id="256" name="Google Shape;256;p33">
-            <a:extLst>
-              <a:ext uri="{FF2B5EF4-FFF2-40B4-BE49-F238E27FC236}">
-                <a16:creationId xmlns:a16="http://schemas.microsoft.com/office/drawing/2014/main" id="{EC83916D-6B79-7E67-E1F6-65849E5E1140}"/>
-              </a:ext>
-            </a:extLst>
-          </p:cNvPr>
-          <p:cNvSpPr txBox="1">
-            <a:spLocks noGrp="1"/>
-          </p:cNvSpPr>
-          <p:nvPr>
-            <p:ph type="subTitle" idx="1"/>
-          </p:nvPr>
-        </p:nvSpPr>
-        <p:spPr>
-          <a:xfrm flipH="1">
-            <a:off x="503377" y="1745463"/>
-            <a:ext cx="3995273" cy="3125915"/>
-          </a:xfrm>
-          <a:prstGeom prst="rect">
-            <a:avLst/>
-          </a:prstGeom>
-        </p:spPr>
-        <p:txBody>
-          <a:bodyPr spcFirstLastPara="1" wrap="square" lIns="91425" tIns="91425" rIns="91425" bIns="91425" anchor="t" anchorCtr="0">
-            <a:noAutofit/>
-          </a:bodyPr>
-          <a:lstStyle/>
-          <a:p>
-            <a:pPr marL="0" lvl="0" indent="0" algn="l" rtl="0">
-              <a:spcBef>
-                <a:spcPts val="0"/>
-              </a:spcBef>
-              <a:spcAft>
-                <a:spcPts val="0"/>
-              </a:spcAft>
-            </a:pPr>
-            <a:r>
-              <a:rPr lang="hu-HU" sz="3600" b="1" u="sng" dirty="0">
-                <a:solidFill>
-                  <a:srgbClr val="000000"/>
-                </a:solidFill>
-                <a:latin typeface="Aptos Display" panose="020B0004020202020204" pitchFamily="34" charset="0"/>
-              </a:rPr>
-              <a:t>Feladat:</a:t>
-            </a:r>
-          </a:p>
-          <a:p>
-            <a:pPr marL="0" lvl="0" indent="0" algn="l" rtl="0">
-              <a:spcBef>
-                <a:spcPts val="0"/>
-              </a:spcBef>
-              <a:spcAft>
-                <a:spcPts val="0"/>
-              </a:spcAft>
-            </a:pPr>
-            <a:r>
-              <a:rPr lang="hu-HU" sz="3600" b="1" dirty="0">
-                <a:solidFill>
-                  <a:srgbClr val="000000"/>
-                </a:solidFill>
-                <a:latin typeface="Aptos Display" panose="020B0004020202020204" pitchFamily="34" charset="0"/>
-              </a:rPr>
-              <a:t> - Navbar-Lábléc </a:t>
-            </a:r>
-          </a:p>
-          <a:p>
-            <a:pPr marL="0" lvl="0" indent="0" algn="l" rtl="0">
-              <a:spcBef>
-                <a:spcPts val="0"/>
-              </a:spcBef>
-              <a:spcAft>
-                <a:spcPts val="0"/>
-              </a:spcAft>
-            </a:pPr>
-            <a:r>
-              <a:rPr lang="hu-HU" sz="3600" b="1" dirty="0">
-                <a:solidFill>
-                  <a:srgbClr val="000000"/>
-                </a:solidFill>
-                <a:latin typeface="Aptos Display" panose="020B0004020202020204" pitchFamily="34" charset="0"/>
-              </a:rPr>
-              <a:t> - Főoldal </a:t>
-            </a:r>
-          </a:p>
-          <a:p>
-            <a:pPr marL="0" lvl="0" indent="0" algn="l" rtl="0">
-              <a:spcBef>
-                <a:spcPts val="0"/>
-              </a:spcBef>
-              <a:spcAft>
-                <a:spcPts val="0"/>
-              </a:spcAft>
-            </a:pPr>
-            <a:r>
-              <a:rPr lang="hu-HU" sz="3600" b="1" dirty="0">
-                <a:solidFill>
-                  <a:srgbClr val="000000"/>
-                </a:solidFill>
-                <a:latin typeface="Aptos Display" panose="020B0004020202020204" pitchFamily="34" charset="0"/>
-              </a:rPr>
-              <a:t> (+ egyebek)</a:t>
-            </a:r>
-          </a:p>
-          <a:p>
-            <a:pPr marL="0" lvl="0" indent="0" algn="l" rtl="0">
-              <a:spcBef>
-                <a:spcPts val="0"/>
-              </a:spcBef>
-              <a:spcAft>
-                <a:spcPts val="0"/>
-              </a:spcAft>
-            </a:pPr>
-            <a:r>
-              <a:rPr lang="hu-HU" sz="3600" b="1" dirty="0">
-                <a:solidFill>
-                  <a:srgbClr val="000000"/>
-                </a:solidFill>
-                <a:latin typeface="Aptos Display" panose="020B0004020202020204" pitchFamily="34" charset="0"/>
-              </a:rPr>
-              <a:t>részek elkészítése</a:t>
-            </a:r>
-            <a:endParaRPr sz="3600" b="1" dirty="0">
-              <a:solidFill>
-                <a:srgbClr val="000000"/>
-              </a:solidFill>
-              <a:latin typeface="Aptos Display" panose="020B0004020202020204" pitchFamily="34" charset="0"/>
-            </a:endParaRPr>
-          </a:p>
-        </p:txBody>
-      </p:sp>
-      <p:cxnSp>
-        <p:nvCxnSpPr>
-          <p:cNvPr id="263" name="Google Shape;263;p33">
-            <a:extLst>
-              <a:ext uri="{FF2B5EF4-FFF2-40B4-BE49-F238E27FC236}">
-                <a16:creationId xmlns:a16="http://schemas.microsoft.com/office/drawing/2014/main" id="{67FF6189-37B5-C324-8D58-A81790B2B4CE}"/>
-              </a:ext>
-            </a:extLst>
-          </p:cNvPr>
-          <p:cNvCxnSpPr/>
-          <p:nvPr/>
-        </p:nvCxnSpPr>
-        <p:spPr>
-          <a:xfrm>
-            <a:off x="503377" y="1949630"/>
-            <a:ext cx="0" cy="872100"/>
-          </a:xfrm>
-          <a:prstGeom prst="straightConnector1">
-            <a:avLst/>
-          </a:prstGeom>
-          <a:noFill/>
-          <a:ln w="19050" cap="flat" cmpd="sng">
-            <a:solidFill>
-              <a:schemeClr val="lt1"/>
-            </a:solidFill>
-            <a:prstDash val="solid"/>
-            <a:round/>
-            <a:headEnd type="none" w="med" len="med"/>
-            <a:tailEnd type="none" w="med" len="med"/>
-          </a:ln>
-        </p:spPr>
-      </p:cxnSp>
-      <p:sp>
-        <p:nvSpPr>
-          <p:cNvPr id="2" name="Google Shape;200;p30">
-            <a:extLst>
-              <a:ext uri="{FF2B5EF4-FFF2-40B4-BE49-F238E27FC236}">
-                <a16:creationId xmlns:a16="http://schemas.microsoft.com/office/drawing/2014/main" id="{FD70F357-163F-1D32-9C9D-C61C4A0D7E2F}"/>
-              </a:ext>
-            </a:extLst>
-          </p:cNvPr>
-          <p:cNvSpPr txBox="1">
-            <a:spLocks/>
-          </p:cNvSpPr>
-          <p:nvPr/>
-        </p:nvSpPr>
-        <p:spPr>
-          <a:xfrm>
-            <a:off x="503377" y="242099"/>
-            <a:ext cx="4775521" cy="1370608"/>
-          </a:xfrm>
-          <a:prstGeom prst="rect">
-            <a:avLst/>
-          </a:prstGeom>
-          <a:noFill/>
-          <a:ln>
-            <a:noFill/>
-          </a:ln>
-        </p:spPr>
-        <p:txBody>
-          <a:bodyPr spcFirstLastPara="1" wrap="square" lIns="91425" tIns="91425" rIns="91425" bIns="91425" anchor="ctr" anchorCtr="0">
-            <a:noAutofit/>
-          </a:bodyPr>
-          <a:lstStyle>
-            <a:defPPr marR="0" lvl="0" algn="l" rtl="0">
-              <a:lnSpc>
-                <a:spcPct val="100000"/>
-              </a:lnSpc>
-              <a:spcBef>
-                <a:spcPts val="0"/>
-              </a:spcBef>
-              <a:spcAft>
-                <a:spcPts val="0"/>
-              </a:spcAft>
-            </a:defPPr>
-            <a:lvl1pPr marR="0" lvl="0" algn="l" rtl="0">
-              <a:lnSpc>
-                <a:spcPct val="100000"/>
-              </a:lnSpc>
-              <a:spcBef>
-                <a:spcPts val="0"/>
-              </a:spcBef>
-              <a:spcAft>
-                <a:spcPts val="0"/>
-              </a:spcAft>
-              <a:buClr>
-                <a:schemeClr val="lt1"/>
-              </a:buClr>
-              <a:buSzPts val="4200"/>
-              <a:buFont typeface="Montserrat"/>
-              <a:buNone/>
-              <a:defRPr sz="3600" b="1" i="0" u="none" strike="noStrike" cap="none">
-                <a:solidFill>
-                  <a:schemeClr val="lt1"/>
-                </a:solidFill>
-                <a:latin typeface="Montserrat"/>
-                <a:ea typeface="Montserrat"/>
-                <a:cs typeface="Montserrat"/>
-                <a:sym typeface="Montserrat"/>
-              </a:defRPr>
-            </a:lvl1pPr>
-            <a:lvl2pPr marR="0" lvl="1" algn="l" rtl="0">
-              <a:lnSpc>
-                <a:spcPct val="100000"/>
-              </a:lnSpc>
-              <a:spcBef>
-                <a:spcPts val="0"/>
-              </a:spcBef>
-              <a:spcAft>
-                <a:spcPts val="0"/>
-              </a:spcAft>
-              <a:buClr>
-                <a:schemeClr val="lt1"/>
-              </a:buClr>
-              <a:buSzPts val="4200"/>
-              <a:buFont typeface="Josefin Sans"/>
-              <a:buNone/>
-              <a:defRPr sz="4200" b="1" i="0" u="none" strike="noStrike" cap="none">
-                <a:solidFill>
-                  <a:schemeClr val="lt1"/>
-                </a:solidFill>
-                <a:latin typeface="Josefin Sans"/>
-                <a:ea typeface="Josefin Sans"/>
-                <a:cs typeface="Josefin Sans"/>
-                <a:sym typeface="Josefin Sans"/>
-              </a:defRPr>
-            </a:lvl2pPr>
-            <a:lvl3pPr marR="0" lvl="2" algn="l" rtl="0">
-              <a:lnSpc>
-                <a:spcPct val="100000"/>
-              </a:lnSpc>
-              <a:spcBef>
-                <a:spcPts val="0"/>
-              </a:spcBef>
-              <a:spcAft>
-                <a:spcPts val="0"/>
-              </a:spcAft>
-              <a:buClr>
-                <a:schemeClr val="lt1"/>
-              </a:buClr>
-              <a:buSzPts val="4200"/>
-              <a:buFont typeface="Josefin Sans"/>
-              <a:buNone/>
-              <a:defRPr sz="4200" b="1" i="0" u="none" strike="noStrike" cap="none">
-                <a:solidFill>
-                  <a:schemeClr val="lt1"/>
-                </a:solidFill>
-                <a:latin typeface="Josefin Sans"/>
-                <a:ea typeface="Josefin Sans"/>
-                <a:cs typeface="Josefin Sans"/>
-                <a:sym typeface="Josefin Sans"/>
-              </a:defRPr>
-            </a:lvl3pPr>
-            <a:lvl4pPr marR="0" lvl="3" algn="l" rtl="0">
-              <a:lnSpc>
-                <a:spcPct val="100000"/>
-              </a:lnSpc>
-              <a:spcBef>
-                <a:spcPts val="0"/>
-              </a:spcBef>
-              <a:spcAft>
-                <a:spcPts val="0"/>
-              </a:spcAft>
-              <a:buClr>
-                <a:schemeClr val="lt1"/>
-              </a:buClr>
-              <a:buSzPts val="4200"/>
-              <a:buFont typeface="Josefin Sans"/>
-              <a:buNone/>
-              <a:defRPr sz="4200" b="1" i="0" u="none" strike="noStrike" cap="none">
-                <a:solidFill>
-                  <a:schemeClr val="lt1"/>
-                </a:solidFill>
-                <a:latin typeface="Josefin Sans"/>
-                <a:ea typeface="Josefin Sans"/>
-                <a:cs typeface="Josefin Sans"/>
-                <a:sym typeface="Josefin Sans"/>
-              </a:defRPr>
-            </a:lvl4pPr>
-            <a:lvl5pPr marR="0" lvl="4" algn="l" rtl="0">
-              <a:lnSpc>
-                <a:spcPct val="100000"/>
-              </a:lnSpc>
-              <a:spcBef>
-                <a:spcPts val="0"/>
-              </a:spcBef>
-              <a:spcAft>
-                <a:spcPts val="0"/>
-              </a:spcAft>
-              <a:buClr>
-                <a:schemeClr val="lt1"/>
-              </a:buClr>
-              <a:buSzPts val="4200"/>
-              <a:buFont typeface="Josefin Sans"/>
-              <a:buNone/>
-              <a:defRPr sz="4200" b="1" i="0" u="none" strike="noStrike" cap="none">
-                <a:solidFill>
-                  <a:schemeClr val="lt1"/>
-                </a:solidFill>
-                <a:latin typeface="Josefin Sans"/>
-                <a:ea typeface="Josefin Sans"/>
-                <a:cs typeface="Josefin Sans"/>
-                <a:sym typeface="Josefin Sans"/>
-              </a:defRPr>
-            </a:lvl5pPr>
-            <a:lvl6pPr marR="0" lvl="5" algn="l" rtl="0">
-              <a:lnSpc>
-                <a:spcPct val="100000"/>
-              </a:lnSpc>
-              <a:spcBef>
-                <a:spcPts val="0"/>
-              </a:spcBef>
-              <a:spcAft>
-                <a:spcPts val="0"/>
-              </a:spcAft>
-              <a:buClr>
-                <a:schemeClr val="lt1"/>
-              </a:buClr>
-              <a:buSzPts val="4200"/>
-              <a:buFont typeface="Josefin Sans"/>
-              <a:buNone/>
-              <a:defRPr sz="4200" b="1" i="0" u="none" strike="noStrike" cap="none">
-                <a:solidFill>
-                  <a:schemeClr val="lt1"/>
-                </a:solidFill>
-                <a:latin typeface="Josefin Sans"/>
-                <a:ea typeface="Josefin Sans"/>
-                <a:cs typeface="Josefin Sans"/>
-                <a:sym typeface="Josefin Sans"/>
-              </a:defRPr>
-            </a:lvl6pPr>
-            <a:lvl7pPr marR="0" lvl="6" algn="l" rtl="0">
-              <a:lnSpc>
-                <a:spcPct val="100000"/>
-              </a:lnSpc>
-              <a:spcBef>
-                <a:spcPts val="0"/>
-              </a:spcBef>
-              <a:spcAft>
-                <a:spcPts val="0"/>
-              </a:spcAft>
-              <a:buClr>
-                <a:schemeClr val="lt1"/>
-              </a:buClr>
-              <a:buSzPts val="4200"/>
-              <a:buFont typeface="Josefin Sans"/>
-              <a:buNone/>
-              <a:defRPr sz="4200" b="1" i="0" u="none" strike="noStrike" cap="none">
-                <a:solidFill>
-                  <a:schemeClr val="lt1"/>
-                </a:solidFill>
-                <a:latin typeface="Josefin Sans"/>
-                <a:ea typeface="Josefin Sans"/>
-                <a:cs typeface="Josefin Sans"/>
-                <a:sym typeface="Josefin Sans"/>
-              </a:defRPr>
-            </a:lvl7pPr>
-            <a:lvl8pPr marR="0" lvl="7" algn="l" rtl="0">
-              <a:lnSpc>
-                <a:spcPct val="100000"/>
-              </a:lnSpc>
-              <a:spcBef>
-                <a:spcPts val="0"/>
-              </a:spcBef>
-              <a:spcAft>
-                <a:spcPts val="0"/>
-              </a:spcAft>
-              <a:buClr>
-                <a:schemeClr val="lt1"/>
-              </a:buClr>
-              <a:buSzPts val="4200"/>
-              <a:buFont typeface="Josefin Sans"/>
-              <a:buNone/>
-              <a:defRPr sz="4200" b="1" i="0" u="none" strike="noStrike" cap="none">
-                <a:solidFill>
-                  <a:schemeClr val="lt1"/>
-                </a:solidFill>
-                <a:latin typeface="Josefin Sans"/>
-                <a:ea typeface="Josefin Sans"/>
-                <a:cs typeface="Josefin Sans"/>
-                <a:sym typeface="Josefin Sans"/>
-              </a:defRPr>
-            </a:lvl8pPr>
-            <a:lvl9pPr marR="0" lvl="8" algn="l" rtl="0">
-              <a:lnSpc>
-                <a:spcPct val="100000"/>
-              </a:lnSpc>
-              <a:spcBef>
-                <a:spcPts val="0"/>
-              </a:spcBef>
-              <a:spcAft>
-                <a:spcPts val="0"/>
-              </a:spcAft>
-              <a:buClr>
-                <a:schemeClr val="lt1"/>
-              </a:buClr>
-              <a:buSzPts val="4200"/>
-              <a:buFont typeface="Josefin Sans"/>
-              <a:buNone/>
-              <a:defRPr sz="4200" b="1" i="0" u="none" strike="noStrike" cap="none">
-                <a:solidFill>
-                  <a:schemeClr val="lt1"/>
-                </a:solidFill>
-                <a:latin typeface="Josefin Sans"/>
-                <a:ea typeface="Josefin Sans"/>
-                <a:cs typeface="Josefin Sans"/>
-                <a:sym typeface="Josefin Sans"/>
-              </a:defRPr>
-            </a:lvl9pPr>
-          </a:lstStyle>
-          <a:p>
-            <a:r>
-              <a:rPr lang="hu-HU" sz="6600" dirty="0">
-                <a:solidFill>
-                  <a:srgbClr val="000000"/>
-                </a:solidFill>
-                <a:latin typeface="Aptos Display" panose="020B0004020202020204" pitchFamily="34" charset="0"/>
-              </a:rPr>
-              <a:t>BÁLINT: </a:t>
-            </a:r>
-          </a:p>
-        </p:txBody>
-      </p:sp>
-      <p:cxnSp>
-        <p:nvCxnSpPr>
-          <p:cNvPr id="5" name="Google Shape;209;p30">
-            <a:extLst>
-              <a:ext uri="{FF2B5EF4-FFF2-40B4-BE49-F238E27FC236}">
-                <a16:creationId xmlns:a16="http://schemas.microsoft.com/office/drawing/2014/main" id="{3BABB9AE-38D2-CE84-3A81-69E9054E74E6}"/>
-              </a:ext>
-            </a:extLst>
-          </p:cNvPr>
-          <p:cNvCxnSpPr/>
-          <p:nvPr/>
-        </p:nvCxnSpPr>
-        <p:spPr>
-          <a:xfrm>
-            <a:off x="587092" y="491353"/>
-            <a:ext cx="0" cy="872100"/>
-          </a:xfrm>
-          <a:prstGeom prst="straightConnector1">
-            <a:avLst/>
-          </a:prstGeom>
-          <a:noFill/>
-          <a:ln w="19050" cap="flat" cmpd="sng">
-            <a:solidFill>
-              <a:schemeClr val="lt1"/>
-            </a:solidFill>
-            <a:prstDash val="solid"/>
-            <a:round/>
-            <a:headEnd type="none" w="med" len="med"/>
-            <a:tailEnd type="none" w="med" len="med"/>
-          </a:ln>
-        </p:spPr>
-      </p:cxnSp>
-      <p:sp>
-        <p:nvSpPr>
-          <p:cNvPr id="3" name="Google Shape;256;p33">
-            <a:extLst>
-              <a:ext uri="{FF2B5EF4-FFF2-40B4-BE49-F238E27FC236}">
-                <a16:creationId xmlns:a16="http://schemas.microsoft.com/office/drawing/2014/main" id="{65D96F0E-6251-4598-9660-E4B4477C5CBB}"/>
-              </a:ext>
-            </a:extLst>
-          </p:cNvPr>
-          <p:cNvSpPr txBox="1">
-            <a:spLocks/>
-          </p:cNvSpPr>
-          <p:nvPr/>
-        </p:nvSpPr>
-        <p:spPr>
-          <a:xfrm flipH="1">
-            <a:off x="3716081" y="1513420"/>
-            <a:ext cx="5003641" cy="3125915"/>
-          </a:xfrm>
-          <a:prstGeom prst="rect">
-            <a:avLst/>
-          </a:prstGeom>
-          <a:noFill/>
-          <a:ln>
-            <a:noFill/>
-          </a:ln>
-        </p:spPr>
-        <p:txBody>
-          <a:bodyPr spcFirstLastPara="1" wrap="square" lIns="91425" tIns="91425" rIns="91425" bIns="91425" anchor="t" anchorCtr="0">
-            <a:noAutofit/>
-          </a:bodyPr>
-          <a:lstStyle>
-            <a:defPPr marR="0" lvl="0" algn="l" rtl="0">
-              <a:lnSpc>
-                <a:spcPct val="100000"/>
-              </a:lnSpc>
-              <a:spcBef>
-                <a:spcPts val="0"/>
-              </a:spcBef>
-              <a:spcAft>
-                <a:spcPts val="0"/>
-              </a:spcAft>
-            </a:defPPr>
-            <a:lvl1pPr marL="457200" marR="0" lvl="0" indent="-342900" algn="l" rtl="0">
-              <a:lnSpc>
-                <a:spcPct val="100000"/>
-              </a:lnSpc>
-              <a:spcBef>
-                <a:spcPts val="0"/>
-              </a:spcBef>
-              <a:spcAft>
-                <a:spcPts val="0"/>
-              </a:spcAft>
-              <a:buClr>
-                <a:schemeClr val="lt1"/>
-              </a:buClr>
-              <a:buSzPts val="2100"/>
-              <a:buFont typeface="Muli"/>
-              <a:buNone/>
-              <a:defRPr sz="1400" b="0" i="0" u="none" strike="noStrike" cap="none">
-                <a:solidFill>
-                  <a:schemeClr val="lt1"/>
-                </a:solidFill>
-                <a:latin typeface="Muli"/>
-                <a:ea typeface="Muli"/>
-                <a:cs typeface="Muli"/>
-                <a:sym typeface="Muli"/>
-              </a:defRPr>
-            </a:lvl1pPr>
-            <a:lvl2pPr marL="914400" marR="0" lvl="1" indent="-317500" algn="r" rtl="0">
-              <a:lnSpc>
-                <a:spcPct val="100000"/>
-              </a:lnSpc>
-              <a:spcBef>
-                <a:spcPts val="0"/>
-              </a:spcBef>
-              <a:spcAft>
-                <a:spcPts val="0"/>
-              </a:spcAft>
-              <a:buClr>
-                <a:schemeClr val="lt1"/>
-              </a:buClr>
-              <a:buSzPts val="2100"/>
-              <a:buFont typeface="Muli"/>
-              <a:buNone/>
-              <a:defRPr sz="2100" b="0" i="0" u="none" strike="noStrike" cap="none">
-                <a:solidFill>
-                  <a:schemeClr val="lt1"/>
-                </a:solidFill>
-                <a:latin typeface="Muli"/>
-                <a:ea typeface="Muli"/>
-                <a:cs typeface="Muli"/>
-                <a:sym typeface="Muli"/>
-              </a:defRPr>
-            </a:lvl2pPr>
-            <a:lvl3pPr marL="1371600" marR="0" lvl="2" indent="-317500" algn="r" rtl="0">
-              <a:lnSpc>
-                <a:spcPct val="100000"/>
-              </a:lnSpc>
-              <a:spcBef>
-                <a:spcPts val="0"/>
-              </a:spcBef>
-              <a:spcAft>
-                <a:spcPts val="0"/>
-              </a:spcAft>
-              <a:buClr>
-                <a:schemeClr val="lt1"/>
-              </a:buClr>
-              <a:buSzPts val="2100"/>
-              <a:buFont typeface="Muli"/>
-              <a:buNone/>
-              <a:defRPr sz="2100" b="0" i="0" u="none" strike="noStrike" cap="none">
-                <a:solidFill>
-                  <a:schemeClr val="lt1"/>
-                </a:solidFill>
-                <a:latin typeface="Muli"/>
-                <a:ea typeface="Muli"/>
-                <a:cs typeface="Muli"/>
-                <a:sym typeface="Muli"/>
-              </a:defRPr>
-            </a:lvl3pPr>
-            <a:lvl4pPr marL="1828800" marR="0" lvl="3" indent="-317500" algn="r" rtl="0">
-              <a:lnSpc>
-                <a:spcPct val="100000"/>
-              </a:lnSpc>
-              <a:spcBef>
-                <a:spcPts val="0"/>
-              </a:spcBef>
-              <a:spcAft>
-                <a:spcPts val="0"/>
-              </a:spcAft>
-              <a:buClr>
-                <a:schemeClr val="lt1"/>
-              </a:buClr>
-              <a:buSzPts val="2100"/>
-              <a:buFont typeface="Muli"/>
-              <a:buNone/>
-              <a:defRPr sz="2100" b="0" i="0" u="none" strike="noStrike" cap="none">
-                <a:solidFill>
-                  <a:schemeClr val="lt1"/>
-                </a:solidFill>
-                <a:latin typeface="Muli"/>
-                <a:ea typeface="Muli"/>
-                <a:cs typeface="Muli"/>
-                <a:sym typeface="Muli"/>
-              </a:defRPr>
-            </a:lvl4pPr>
-            <a:lvl5pPr marL="2286000" marR="0" lvl="4" indent="-317500" algn="r" rtl="0">
-              <a:lnSpc>
-                <a:spcPct val="100000"/>
-              </a:lnSpc>
-              <a:spcBef>
-                <a:spcPts val="0"/>
-              </a:spcBef>
-              <a:spcAft>
-                <a:spcPts val="0"/>
-              </a:spcAft>
-              <a:buClr>
-                <a:schemeClr val="lt1"/>
-              </a:buClr>
-              <a:buSzPts val="2100"/>
-              <a:buFont typeface="Muli"/>
-              <a:buNone/>
-              <a:defRPr sz="2100" b="0" i="0" u="none" strike="noStrike" cap="none">
-                <a:solidFill>
-                  <a:schemeClr val="lt1"/>
-                </a:solidFill>
-                <a:latin typeface="Muli"/>
-                <a:ea typeface="Muli"/>
-                <a:cs typeface="Muli"/>
-                <a:sym typeface="Muli"/>
-              </a:defRPr>
-            </a:lvl5pPr>
-            <a:lvl6pPr marL="2743200" marR="0" lvl="5" indent="-317500" algn="r" rtl="0">
-              <a:lnSpc>
-                <a:spcPct val="100000"/>
-              </a:lnSpc>
-              <a:spcBef>
-                <a:spcPts val="0"/>
-              </a:spcBef>
-              <a:spcAft>
-                <a:spcPts val="0"/>
-              </a:spcAft>
-              <a:buClr>
-                <a:schemeClr val="lt1"/>
-              </a:buClr>
-              <a:buSzPts val="2100"/>
-              <a:buFont typeface="Muli"/>
-              <a:buNone/>
-              <a:defRPr sz="2100" b="0" i="0" u="none" strike="noStrike" cap="none">
-                <a:solidFill>
-                  <a:schemeClr val="lt1"/>
-                </a:solidFill>
-                <a:latin typeface="Muli"/>
-                <a:ea typeface="Muli"/>
-                <a:cs typeface="Muli"/>
-                <a:sym typeface="Muli"/>
-              </a:defRPr>
-            </a:lvl6pPr>
-            <a:lvl7pPr marL="3200400" marR="0" lvl="6" indent="-317500" algn="r" rtl="0">
-              <a:lnSpc>
-                <a:spcPct val="100000"/>
-              </a:lnSpc>
-              <a:spcBef>
-                <a:spcPts val="0"/>
-              </a:spcBef>
-              <a:spcAft>
-                <a:spcPts val="0"/>
-              </a:spcAft>
-              <a:buClr>
-                <a:schemeClr val="lt1"/>
-              </a:buClr>
-              <a:buSzPts val="2100"/>
-              <a:buFont typeface="Muli"/>
-              <a:buNone/>
-              <a:defRPr sz="2100" b="0" i="0" u="none" strike="noStrike" cap="none">
-                <a:solidFill>
-                  <a:schemeClr val="lt1"/>
-                </a:solidFill>
-                <a:latin typeface="Muli"/>
-                <a:ea typeface="Muli"/>
-                <a:cs typeface="Muli"/>
-                <a:sym typeface="Muli"/>
-              </a:defRPr>
-            </a:lvl7pPr>
-            <a:lvl8pPr marL="3657600" marR="0" lvl="7" indent="-317500" algn="r" rtl="0">
-              <a:lnSpc>
-                <a:spcPct val="100000"/>
-              </a:lnSpc>
-              <a:spcBef>
-                <a:spcPts val="0"/>
-              </a:spcBef>
-              <a:spcAft>
-                <a:spcPts val="0"/>
-              </a:spcAft>
-              <a:buClr>
-                <a:schemeClr val="lt1"/>
-              </a:buClr>
-              <a:buSzPts val="2100"/>
-              <a:buFont typeface="Muli"/>
-              <a:buNone/>
-              <a:defRPr sz="2100" b="0" i="0" u="none" strike="noStrike" cap="none">
-                <a:solidFill>
-                  <a:schemeClr val="lt1"/>
-                </a:solidFill>
-                <a:latin typeface="Muli"/>
-                <a:ea typeface="Muli"/>
-                <a:cs typeface="Muli"/>
-                <a:sym typeface="Muli"/>
-              </a:defRPr>
-            </a:lvl8pPr>
-            <a:lvl9pPr marL="4114800" marR="0" lvl="8" indent="-317500" algn="r" rtl="0">
-              <a:lnSpc>
-                <a:spcPct val="100000"/>
-              </a:lnSpc>
-              <a:spcBef>
-                <a:spcPts val="0"/>
-              </a:spcBef>
-              <a:spcAft>
-                <a:spcPts val="0"/>
-              </a:spcAft>
-              <a:buClr>
-                <a:schemeClr val="lt1"/>
-              </a:buClr>
-              <a:buSzPts val="2100"/>
-              <a:buFont typeface="Muli"/>
-              <a:buNone/>
-              <a:defRPr sz="2100" b="0" i="0" u="none" strike="noStrike" cap="none">
-                <a:solidFill>
-                  <a:schemeClr val="lt1"/>
-                </a:solidFill>
-                <a:latin typeface="Muli"/>
-                <a:ea typeface="Muli"/>
-                <a:cs typeface="Muli"/>
-                <a:sym typeface="Muli"/>
-              </a:defRPr>
-            </a:lvl9pPr>
-          </a:lstStyle>
-          <a:p>
-            <a:pPr marL="0" indent="0"/>
-            <a:r>
-              <a:rPr lang="hu-HU" sz="3600" b="1" u="sng" dirty="0">
-                <a:solidFill>
-                  <a:srgbClr val="000000"/>
-                </a:solidFill>
-                <a:latin typeface="Aptos Display" panose="020B0004020202020204" pitchFamily="34" charset="0"/>
-              </a:rPr>
-              <a:t>Felhasznált erőforrások:</a:t>
-            </a:r>
-          </a:p>
-          <a:p>
-            <a:pPr marL="0" indent="0" algn="ctr"/>
-            <a:r>
-              <a:rPr lang="hu-HU" sz="3600" b="1" dirty="0">
-                <a:solidFill>
-                  <a:srgbClr val="000000"/>
-                </a:solidFill>
-                <a:latin typeface="Aptos Display" panose="020B0004020202020204" pitchFamily="34" charset="0"/>
-              </a:rPr>
-              <a:t> - Photoshop </a:t>
-            </a:r>
-          </a:p>
-          <a:p>
-            <a:pPr marL="0" indent="0" algn="ctr"/>
-            <a:r>
-              <a:rPr lang="hu-HU" sz="3600" b="1" dirty="0">
-                <a:solidFill>
-                  <a:srgbClr val="000000"/>
-                </a:solidFill>
-                <a:latin typeface="Aptos Display" panose="020B0004020202020204" pitchFamily="34" charset="0"/>
-              </a:rPr>
-              <a:t> - Copilot</a:t>
-            </a:r>
-          </a:p>
-          <a:p>
-            <a:pPr marL="0" indent="0" algn="ctr"/>
-            <a:r>
-              <a:rPr lang="hu-HU" sz="3600" b="1" dirty="0">
-                <a:solidFill>
-                  <a:srgbClr val="000000"/>
-                </a:solidFill>
-                <a:latin typeface="Aptos Display" panose="020B0004020202020204" pitchFamily="34" charset="0"/>
-              </a:rPr>
-              <a:t> - ChatGPT</a:t>
-            </a:r>
-          </a:p>
-          <a:p>
-            <a:pPr marL="0" indent="0"/>
-            <a:r>
-              <a:rPr lang="hu-HU" sz="3600" b="1" dirty="0">
-                <a:solidFill>
-                  <a:srgbClr val="000000"/>
-                </a:solidFill>
-                <a:latin typeface="Aptos Display" panose="020B0004020202020204" pitchFamily="34" charset="0"/>
-              </a:rPr>
-              <a:t> </a:t>
-            </a:r>
-          </a:p>
-        </p:txBody>
-      </p:sp>
-      <p:cxnSp>
-        <p:nvCxnSpPr>
-          <p:cNvPr id="4" name="Google Shape;263;p33">
-            <a:extLst>
-              <a:ext uri="{FF2B5EF4-FFF2-40B4-BE49-F238E27FC236}">
-                <a16:creationId xmlns:a16="http://schemas.microsoft.com/office/drawing/2014/main" id="{9E50B3F2-D467-2C49-EB25-4DAA03079E5A}"/>
-              </a:ext>
-            </a:extLst>
-          </p:cNvPr>
-          <p:cNvCxnSpPr/>
-          <p:nvPr/>
-        </p:nvCxnSpPr>
-        <p:spPr>
-          <a:xfrm>
-            <a:off x="8794150" y="1612707"/>
-            <a:ext cx="0" cy="872100"/>
-          </a:xfrm>
-          <a:prstGeom prst="straightConnector1">
-            <a:avLst/>
-          </a:prstGeom>
-          <a:noFill/>
-          <a:ln w="19050" cap="flat" cmpd="sng">
-            <a:solidFill>
-              <a:schemeClr val="lt1"/>
-            </a:solidFill>
-            <a:prstDash val="solid"/>
-            <a:round/>
-            <a:headEnd type="none" w="med" len="med"/>
-            <a:tailEnd type="none" w="med" len="med"/>
-          </a:ln>
-        </p:spPr>
-      </p:cxnSp>
-    </p:spTree>
-    <p:extLst>
-      <p:ext uri="{BB962C8B-B14F-4D97-AF65-F5344CB8AC3E}">
-        <p14:creationId xmlns:p14="http://schemas.microsoft.com/office/powerpoint/2010/main" val="2782277977"/>
-      </p:ext>
-    </p:extLst>
-  </p:cSld>
-  <p:clrMapOvr>
-    <a:masterClrMapping/>
-  </p:clrMapOvr>
-</p:sld>
-</file>
-
-<file path=ppt/slides/slide6.xml><?xml version="1.0" encoding="utf-8"?>
+<file path=ppt/slides/slide7.xml><?xml version="1.0" encoding="utf-8"?>
 <p:sld xmlns:a="http://schemas.openxmlformats.org/drawingml/2006/main" xmlns:r="http://schemas.openxmlformats.org/officeDocument/2006/relationships" xmlns:p="http://schemas.openxmlformats.org/presentationml/2006/main">
   <p:cSld>
     <p:spTree>
@@ -7449,7 +7726,7 @@
         </p:nvSpPr>
         <p:spPr>
           <a:xfrm>
-            <a:off x="273432" y="300427"/>
+            <a:off x="762529" y="409641"/>
             <a:ext cx="4775521" cy="1370608"/>
           </a:xfrm>
           <a:prstGeom prst="rect">
@@ -7738,7 +8015,7 @@
         </p:nvCxnSpPr>
         <p:spPr>
           <a:xfrm>
-            <a:off x="273432" y="551530"/>
+            <a:off x="745338" y="696633"/>
             <a:ext cx="0" cy="872100"/>
           </a:xfrm>
           <a:prstGeom prst="straightConnector1">
@@ -7772,7 +8049,7 @@
         </p:nvSpPr>
         <p:spPr>
           <a:xfrm flipH="1">
-            <a:off x="3833040" y="893631"/>
+            <a:off x="3967292" y="1650989"/>
             <a:ext cx="5000411" cy="3642952"/>
           </a:xfrm>
           <a:prstGeom prst="rect">
@@ -8035,7 +8312,7 @@
             </a:lvl9pPr>
           </a:lstStyle>
           <a:p>
-            <a:pPr marL="0" indent="0"/>
+            <a:pPr marL="0" indent="0" algn="ctr"/>
             <a:r>
               <a:rPr lang="hu-HU" sz="3600" b="1" u="sng" dirty="0">
                 <a:solidFill>
@@ -8047,7 +8324,7 @@
             </a:r>
           </a:p>
           <a:p>
-            <a:pPr marL="0" indent="0"/>
+            <a:pPr marL="0" indent="0" algn="ctr"/>
             <a:r>
               <a:rPr lang="hu-HU" sz="3200" b="1" dirty="0">
                 <a:solidFill>
@@ -8059,7 +8336,7 @@
             </a:r>
           </a:p>
           <a:p>
-            <a:pPr marL="0" indent="0"/>
+            <a:pPr marL="0" indent="0" algn="ctr"/>
             <a:r>
               <a:rPr lang="hu-HU" sz="3200" b="1" dirty="0">
                 <a:solidFill>
@@ -8071,7 +8348,7 @@
             </a:r>
           </a:p>
           <a:p>
-            <a:pPr marL="0" indent="0"/>
+            <a:pPr marL="0" indent="0" algn="ctr"/>
             <a:r>
               <a:rPr lang="hu-HU" sz="3200" b="1" dirty="0">
                 <a:solidFill>
@@ -8079,11 +8356,11 @@
                 </a:solidFill>
                 <a:latin typeface="Aptos Display" panose="020B0004020202020204" pitchFamily="34" charset="0"/>
               </a:rPr>
-              <a:t> - Kom. Csatornák</a:t>
+              <a:t>- ChatGPT 	- Google</a:t>
             </a:r>
           </a:p>
           <a:p>
-            <a:pPr marL="0" indent="0"/>
+            <a:pPr marL="0" indent="0" algn="ctr"/>
             <a:r>
               <a:rPr lang="hu-HU" sz="3200" b="1" dirty="0">
                 <a:solidFill>
@@ -8091,11 +8368,11 @@
                 </a:solidFill>
                 <a:latin typeface="Aptos Display" panose="020B0004020202020204" pitchFamily="34" charset="0"/>
               </a:rPr>
-              <a:t> - ChatGPT 	- Google</a:t>
+              <a:t> - Facebook</a:t>
             </a:r>
           </a:p>
           <a:p>
-            <a:pPr marL="0" indent="0"/>
+            <a:pPr marL="0" indent="0" algn="ctr"/>
             <a:r>
               <a:rPr lang="hu-HU" sz="3200" b="1" dirty="0">
                 <a:solidFill>
@@ -8103,19 +8380,7 @@
                 </a:solidFill>
                 <a:latin typeface="Aptos Display" panose="020B0004020202020204" pitchFamily="34" charset="0"/>
               </a:rPr>
-              <a:t> - Facebook	- GitHub</a:t>
-            </a:r>
-          </a:p>
-          <a:p>
-            <a:pPr marL="0" indent="0"/>
-            <a:r>
-              <a:rPr lang="hu-HU" sz="3200" b="1" dirty="0">
-                <a:solidFill>
-                  <a:srgbClr val="000000"/>
-                </a:solidFill>
-                <a:latin typeface="Aptos Display" panose="020B0004020202020204" pitchFamily="34" charset="0"/>
-              </a:rPr>
-              <a:t> - M. Office     	- Idő</a:t>
+              <a:t> - MS Office  </a:t>
             </a:r>
           </a:p>
         </p:txBody>
@@ -8134,7 +8399,7 @@
         </p:nvCxnSpPr>
         <p:spPr>
           <a:xfrm>
-            <a:off x="3833040" y="1079680"/>
+            <a:off x="4074045" y="1795605"/>
             <a:ext cx="0" cy="872100"/>
           </a:xfrm>
           <a:prstGeom prst="straightConnector1">
